--- a/Patron_100mm_Y_Full.pptx
+++ b/Patron_100mm_Y_Full.pptx
@@ -5,32 +5,32 @@
     <p:sldMasterId id="2147483648" r:id="rId1"/>
   </p:sldMasterIdLst>
   <p:sldIdLst>
-    <p:sldId id="256" r:id="rId2"/>
-    <p:sldId id="257" r:id="rId3"/>
-    <p:sldId id="258" r:id="rId4"/>
-    <p:sldId id="259" r:id="rId5"/>
-    <p:sldId id="260" r:id="rId6"/>
-    <p:sldId id="261" r:id="rId7"/>
-    <p:sldId id="262" r:id="rId8"/>
-    <p:sldId id="263" r:id="rId9"/>
-    <p:sldId id="264" r:id="rId10"/>
-    <p:sldId id="265" r:id="rId11"/>
-    <p:sldId id="266" r:id="rId12"/>
-    <p:sldId id="267" r:id="rId13"/>
-    <p:sldId id="268" r:id="rId14"/>
-    <p:sldId id="269" r:id="rId15"/>
-    <p:sldId id="270" r:id="rId16"/>
-    <p:sldId id="271" r:id="rId17"/>
-    <p:sldId id="272" r:id="rId18"/>
-    <p:sldId id="273" r:id="rId19"/>
-    <p:sldId id="274" r:id="rId20"/>
-    <p:sldId id="275" r:id="rId21"/>
-    <p:sldId id="276" r:id="rId22"/>
-    <p:sldId id="277" r:id="rId23"/>
-    <p:sldId id="278" r:id="rId24"/>
-    <p:sldId id="279" r:id="rId25"/>
-    <p:sldId id="280" r:id="rId26"/>
-    <p:sldId id="281" r:id="rId27"/>
+    <p:sldId id="256" r:id="rId7"/>
+    <p:sldId id="257" r:id="rId8"/>
+    <p:sldId id="258" r:id="rId9"/>
+    <p:sldId id="259" r:id="rId10"/>
+    <p:sldId id="260" r:id="rId11"/>
+    <p:sldId id="261" r:id="rId12"/>
+    <p:sldId id="262" r:id="rId13"/>
+    <p:sldId id="263" r:id="rId14"/>
+    <p:sldId id="264" r:id="rId15"/>
+    <p:sldId id="265" r:id="rId16"/>
+    <p:sldId id="266" r:id="rId17"/>
+    <p:sldId id="267" r:id="rId18"/>
+    <p:sldId id="268" r:id="rId19"/>
+    <p:sldId id="269" r:id="rId20"/>
+    <p:sldId id="270" r:id="rId21"/>
+    <p:sldId id="271" r:id="rId22"/>
+    <p:sldId id="272" r:id="rId23"/>
+    <p:sldId id="273" r:id="rId24"/>
+    <p:sldId id="274" r:id="rId25"/>
+    <p:sldId id="275" r:id="rId26"/>
+    <p:sldId id="276" r:id="rId27"/>
+    <p:sldId id="277" r:id="rId28"/>
+    <p:sldId id="278" r:id="rId29"/>
+    <p:sldId id="279" r:id="rId30"/>
+    <p:sldId id="280" r:id="rId31"/>
+    <p:sldId id="281" r:id="rId32"/>
   </p:sldIdLst>
   <p:sldSz cx="9144000" cy="6858000" type="screen4x3"/>
   <p:notesSz cx="6858000" cy="9144000"/>
@@ -129,22 +129,6 @@
       </a:defRPr>
     </a:lvl9pPr>
   </p:defaultTextStyle>
-  <p:extLst>
-    <p:ext uri="{EFAFB233-063F-42B5-8137-9DF3F51BA10A}">
-      <p15:sldGuideLst xmlns:p15="http://schemas.microsoft.com/office/powerpoint/2012/main">
-        <p15:guide id="1" orient="horz" pos="2160">
-          <p15:clr>
-            <a:srgbClr val="A4A3A4"/>
-          </p15:clr>
-        </p15:guide>
-        <p15:guide id="2" pos="2880">
-          <p15:clr>
-            <a:srgbClr val="A4A3A4"/>
-          </p15:clr>
-        </p15:guide>
-      </p15:sldGuideLst>
-    </p:ext>
-  </p:extLst>
 </p:presentation>
 </file>
 
@@ -186,9 +170,10 @@
           <a:lstStyle/>
           <a:p>
             <a:r>
-              <a:rPr lang="en-US"/>
+              <a:rPr lang="en-US" smtClean="0"/>
               <a:t>Click to edit Master title style</a:t>
             </a:r>
+            <a:endParaRPr lang="en-US"/>
           </a:p>
         </p:txBody>
       </p:sp>
@@ -304,9 +289,10 @@
           </a:lstStyle>
           <a:p>
             <a:r>
-              <a:rPr lang="en-US"/>
+              <a:rPr lang="en-US" smtClean="0"/>
               <a:t>Click to edit Master subtitle style</a:t>
             </a:r>
+            <a:endParaRPr lang="en-US"/>
           </a:p>
         </p:txBody>
       </p:sp>
@@ -327,7 +313,7 @@
           <a:p>
             <a:fld id="{5BCAD085-E8A6-8845-BD4E-CB4CCA059FC4}" type="datetimeFigureOut">
               <a:rPr lang="en-US" smtClean="0"/>
-              <a:t>5/23/2024</a:t>
+              <a:t>1/27/13</a:t>
             </a:fld>
             <a:endParaRPr lang="en-US"/>
           </a:p>
@@ -421,9 +407,10 @@
           <a:lstStyle/>
           <a:p>
             <a:r>
-              <a:rPr lang="en-US"/>
+              <a:rPr lang="en-US" smtClean="0"/>
               <a:t>Click to edit Master title style</a:t>
             </a:r>
+            <a:endParaRPr lang="en-US"/>
           </a:p>
         </p:txBody>
       </p:sp>
@@ -444,37 +431,38 @@
           <a:p>
             <a:pPr lvl="0"/>
             <a:r>
-              <a:rPr lang="en-US"/>
+              <a:rPr lang="en-US" smtClean="0"/>
               <a:t>Click to edit Master text styles</a:t>
             </a:r>
           </a:p>
           <a:p>
             <a:pPr lvl="1"/>
             <a:r>
-              <a:rPr lang="en-US"/>
+              <a:rPr lang="en-US" smtClean="0"/>
               <a:t>Second level</a:t>
             </a:r>
           </a:p>
           <a:p>
             <a:pPr lvl="2"/>
             <a:r>
-              <a:rPr lang="en-US"/>
+              <a:rPr lang="en-US" smtClean="0"/>
               <a:t>Third level</a:t>
             </a:r>
           </a:p>
           <a:p>
             <a:pPr lvl="3"/>
             <a:r>
-              <a:rPr lang="en-US"/>
+              <a:rPr lang="en-US" smtClean="0"/>
               <a:t>Fourth level</a:t>
             </a:r>
           </a:p>
           <a:p>
             <a:pPr lvl="4"/>
             <a:r>
-              <a:rPr lang="en-US"/>
+              <a:rPr lang="en-US" smtClean="0"/>
               <a:t>Fifth level</a:t>
             </a:r>
+            <a:endParaRPr lang="en-US"/>
           </a:p>
         </p:txBody>
       </p:sp>
@@ -495,7 +483,7 @@
           <a:p>
             <a:fld id="{5BCAD085-E8A6-8845-BD4E-CB4CCA059FC4}" type="datetimeFigureOut">
               <a:rPr lang="en-US" smtClean="0"/>
-              <a:t>5/23/2024</a:t>
+              <a:t>1/27/13</a:t>
             </a:fld>
             <a:endParaRPr lang="en-US"/>
           </a:p>
@@ -594,9 +582,10 @@
           <a:lstStyle/>
           <a:p>
             <a:r>
-              <a:rPr lang="en-US"/>
+              <a:rPr lang="en-US" smtClean="0"/>
               <a:t>Click to edit Master title style</a:t>
             </a:r>
+            <a:endParaRPr lang="en-US"/>
           </a:p>
         </p:txBody>
       </p:sp>
@@ -622,37 +611,38 @@
           <a:p>
             <a:pPr lvl="0"/>
             <a:r>
-              <a:rPr lang="en-US"/>
+              <a:rPr lang="en-US" smtClean="0"/>
               <a:t>Click to edit Master text styles</a:t>
             </a:r>
           </a:p>
           <a:p>
             <a:pPr lvl="1"/>
             <a:r>
-              <a:rPr lang="en-US"/>
+              <a:rPr lang="en-US" smtClean="0"/>
               <a:t>Second level</a:t>
             </a:r>
           </a:p>
           <a:p>
             <a:pPr lvl="2"/>
             <a:r>
-              <a:rPr lang="en-US"/>
+              <a:rPr lang="en-US" smtClean="0"/>
               <a:t>Third level</a:t>
             </a:r>
           </a:p>
           <a:p>
             <a:pPr lvl="3"/>
             <a:r>
-              <a:rPr lang="en-US"/>
+              <a:rPr lang="en-US" smtClean="0"/>
               <a:t>Fourth level</a:t>
             </a:r>
           </a:p>
           <a:p>
             <a:pPr lvl="4"/>
             <a:r>
-              <a:rPr lang="en-US"/>
+              <a:rPr lang="en-US" smtClean="0"/>
               <a:t>Fifth level</a:t>
             </a:r>
+            <a:endParaRPr lang="en-US"/>
           </a:p>
         </p:txBody>
       </p:sp>
@@ -673,7 +663,7 @@
           <a:p>
             <a:fld id="{5BCAD085-E8A6-8845-BD4E-CB4CCA059FC4}" type="datetimeFigureOut">
               <a:rPr lang="en-US" smtClean="0"/>
-              <a:t>5/23/2024</a:t>
+              <a:t>1/27/13</a:t>
             </a:fld>
             <a:endParaRPr lang="en-US"/>
           </a:p>
@@ -767,9 +757,10 @@
           <a:lstStyle/>
           <a:p>
             <a:r>
-              <a:rPr lang="en-US"/>
+              <a:rPr lang="en-US" smtClean="0"/>
               <a:t>Click to edit Master title style</a:t>
             </a:r>
+            <a:endParaRPr lang="en-US"/>
           </a:p>
         </p:txBody>
       </p:sp>
@@ -790,37 +781,38 @@
           <a:p>
             <a:pPr lvl="0"/>
             <a:r>
-              <a:rPr lang="en-US"/>
+              <a:rPr lang="en-US" smtClean="0"/>
               <a:t>Click to edit Master text styles</a:t>
             </a:r>
           </a:p>
           <a:p>
             <a:pPr lvl="1"/>
             <a:r>
-              <a:rPr lang="en-US"/>
+              <a:rPr lang="en-US" smtClean="0"/>
               <a:t>Second level</a:t>
             </a:r>
           </a:p>
           <a:p>
             <a:pPr lvl="2"/>
             <a:r>
-              <a:rPr lang="en-US"/>
+              <a:rPr lang="en-US" smtClean="0"/>
               <a:t>Third level</a:t>
             </a:r>
           </a:p>
           <a:p>
             <a:pPr lvl="3"/>
             <a:r>
-              <a:rPr lang="en-US"/>
+              <a:rPr lang="en-US" smtClean="0"/>
               <a:t>Fourth level</a:t>
             </a:r>
           </a:p>
           <a:p>
             <a:pPr lvl="4"/>
             <a:r>
-              <a:rPr lang="en-US"/>
+              <a:rPr lang="en-US" smtClean="0"/>
               <a:t>Fifth level</a:t>
             </a:r>
+            <a:endParaRPr lang="en-US"/>
           </a:p>
         </p:txBody>
       </p:sp>
@@ -841,7 +833,7 @@
           <a:p>
             <a:fld id="{5BCAD085-E8A6-8845-BD4E-CB4CCA059FC4}" type="datetimeFigureOut">
               <a:rPr lang="en-US" smtClean="0"/>
-              <a:t>5/23/2024</a:t>
+              <a:t>1/27/13</a:t>
             </a:fld>
             <a:endParaRPr lang="en-US"/>
           </a:p>
@@ -944,9 +936,10 @@
           </a:lstStyle>
           <a:p>
             <a:r>
-              <a:rPr lang="en-US"/>
+              <a:rPr lang="en-US" smtClean="0"/>
               <a:t>Click to edit Master title style</a:t>
             </a:r>
+            <a:endParaRPr lang="en-US"/>
           </a:p>
         </p:txBody>
       </p:sp>
@@ -1063,7 +1056,7 @@
           <a:p>
             <a:pPr lvl="0"/>
             <a:r>
-              <a:rPr lang="en-US"/>
+              <a:rPr lang="en-US" smtClean="0"/>
               <a:t>Click to edit Master text styles</a:t>
             </a:r>
           </a:p>
@@ -1086,7 +1079,7 @@
           <a:p>
             <a:fld id="{5BCAD085-E8A6-8845-BD4E-CB4CCA059FC4}" type="datetimeFigureOut">
               <a:rPr lang="en-US" smtClean="0"/>
-              <a:t>5/23/2024</a:t>
+              <a:t>1/27/13</a:t>
             </a:fld>
             <a:endParaRPr lang="en-US"/>
           </a:p>
@@ -1180,9 +1173,10 @@
           <a:lstStyle/>
           <a:p>
             <a:r>
-              <a:rPr lang="en-US"/>
+              <a:rPr lang="en-US" smtClean="0"/>
               <a:t>Click to edit Master title style</a:t>
             </a:r>
+            <a:endParaRPr lang="en-US"/>
           </a:p>
         </p:txBody>
       </p:sp>
@@ -1236,37 +1230,38 @@
           <a:p>
             <a:pPr lvl="0"/>
             <a:r>
-              <a:rPr lang="en-US"/>
+              <a:rPr lang="en-US" smtClean="0"/>
               <a:t>Click to edit Master text styles</a:t>
             </a:r>
           </a:p>
           <a:p>
             <a:pPr lvl="1"/>
             <a:r>
-              <a:rPr lang="en-US"/>
+              <a:rPr lang="en-US" smtClean="0"/>
               <a:t>Second level</a:t>
             </a:r>
           </a:p>
           <a:p>
             <a:pPr lvl="2"/>
             <a:r>
-              <a:rPr lang="en-US"/>
+              <a:rPr lang="en-US" smtClean="0"/>
               <a:t>Third level</a:t>
             </a:r>
           </a:p>
           <a:p>
             <a:pPr lvl="3"/>
             <a:r>
-              <a:rPr lang="en-US"/>
+              <a:rPr lang="en-US" smtClean="0"/>
               <a:t>Fourth level</a:t>
             </a:r>
           </a:p>
           <a:p>
             <a:pPr lvl="4"/>
             <a:r>
-              <a:rPr lang="en-US"/>
+              <a:rPr lang="en-US" smtClean="0"/>
               <a:t>Fifth level</a:t>
             </a:r>
+            <a:endParaRPr lang="en-US"/>
           </a:p>
         </p:txBody>
       </p:sp>
@@ -1320,37 +1315,38 @@
           <a:p>
             <a:pPr lvl="0"/>
             <a:r>
-              <a:rPr lang="en-US"/>
+              <a:rPr lang="en-US" smtClean="0"/>
               <a:t>Click to edit Master text styles</a:t>
             </a:r>
           </a:p>
           <a:p>
             <a:pPr lvl="1"/>
             <a:r>
-              <a:rPr lang="en-US"/>
+              <a:rPr lang="en-US" smtClean="0"/>
               <a:t>Second level</a:t>
             </a:r>
           </a:p>
           <a:p>
             <a:pPr lvl="2"/>
             <a:r>
-              <a:rPr lang="en-US"/>
+              <a:rPr lang="en-US" smtClean="0"/>
               <a:t>Third level</a:t>
             </a:r>
           </a:p>
           <a:p>
             <a:pPr lvl="3"/>
             <a:r>
-              <a:rPr lang="en-US"/>
+              <a:rPr lang="en-US" smtClean="0"/>
               <a:t>Fourth level</a:t>
             </a:r>
           </a:p>
           <a:p>
             <a:pPr lvl="4"/>
             <a:r>
-              <a:rPr lang="en-US"/>
+              <a:rPr lang="en-US" smtClean="0"/>
               <a:t>Fifth level</a:t>
             </a:r>
+            <a:endParaRPr lang="en-US"/>
           </a:p>
         </p:txBody>
       </p:sp>
@@ -1371,7 +1367,7 @@
           <a:p>
             <a:fld id="{5BCAD085-E8A6-8845-BD4E-CB4CCA059FC4}" type="datetimeFigureOut">
               <a:rPr lang="en-US" smtClean="0"/>
-              <a:t>5/23/2024</a:t>
+              <a:t>1/27/13</a:t>
             </a:fld>
             <a:endParaRPr lang="en-US"/>
           </a:p>
@@ -1469,9 +1465,10 @@
           </a:lstStyle>
           <a:p>
             <a:r>
-              <a:rPr lang="en-US"/>
+              <a:rPr lang="en-US" smtClean="0"/>
               <a:t>Click to edit Master title style</a:t>
             </a:r>
+            <a:endParaRPr lang="en-US"/>
           </a:p>
         </p:txBody>
       </p:sp>
@@ -1534,7 +1531,7 @@
           <a:p>
             <a:pPr lvl="0"/>
             <a:r>
-              <a:rPr lang="en-US"/>
+              <a:rPr lang="en-US" smtClean="0"/>
               <a:t>Click to edit Master text styles</a:t>
             </a:r>
           </a:p>
@@ -1590,37 +1587,38 @@
           <a:p>
             <a:pPr lvl="0"/>
             <a:r>
-              <a:rPr lang="en-US"/>
+              <a:rPr lang="en-US" smtClean="0"/>
               <a:t>Click to edit Master text styles</a:t>
             </a:r>
           </a:p>
           <a:p>
             <a:pPr lvl="1"/>
             <a:r>
-              <a:rPr lang="en-US"/>
+              <a:rPr lang="en-US" smtClean="0"/>
               <a:t>Second level</a:t>
             </a:r>
           </a:p>
           <a:p>
             <a:pPr lvl="2"/>
             <a:r>
-              <a:rPr lang="en-US"/>
+              <a:rPr lang="en-US" smtClean="0"/>
               <a:t>Third level</a:t>
             </a:r>
           </a:p>
           <a:p>
             <a:pPr lvl="3"/>
             <a:r>
-              <a:rPr lang="en-US"/>
+              <a:rPr lang="en-US" smtClean="0"/>
               <a:t>Fourth level</a:t>
             </a:r>
           </a:p>
           <a:p>
             <a:pPr lvl="4"/>
             <a:r>
-              <a:rPr lang="en-US"/>
+              <a:rPr lang="en-US" smtClean="0"/>
               <a:t>Fifth level</a:t>
             </a:r>
+            <a:endParaRPr lang="en-US"/>
           </a:p>
         </p:txBody>
       </p:sp>
@@ -1683,7 +1681,7 @@
           <a:p>
             <a:pPr lvl="0"/>
             <a:r>
-              <a:rPr lang="en-US"/>
+              <a:rPr lang="en-US" smtClean="0"/>
               <a:t>Click to edit Master text styles</a:t>
             </a:r>
           </a:p>
@@ -1739,37 +1737,38 @@
           <a:p>
             <a:pPr lvl="0"/>
             <a:r>
-              <a:rPr lang="en-US"/>
+              <a:rPr lang="en-US" smtClean="0"/>
               <a:t>Click to edit Master text styles</a:t>
             </a:r>
           </a:p>
           <a:p>
             <a:pPr lvl="1"/>
             <a:r>
-              <a:rPr lang="en-US"/>
+              <a:rPr lang="en-US" smtClean="0"/>
               <a:t>Second level</a:t>
             </a:r>
           </a:p>
           <a:p>
             <a:pPr lvl="2"/>
             <a:r>
-              <a:rPr lang="en-US"/>
+              <a:rPr lang="en-US" smtClean="0"/>
               <a:t>Third level</a:t>
             </a:r>
           </a:p>
           <a:p>
             <a:pPr lvl="3"/>
             <a:r>
-              <a:rPr lang="en-US"/>
+              <a:rPr lang="en-US" smtClean="0"/>
               <a:t>Fourth level</a:t>
             </a:r>
           </a:p>
           <a:p>
             <a:pPr lvl="4"/>
             <a:r>
-              <a:rPr lang="en-US"/>
+              <a:rPr lang="en-US" smtClean="0"/>
               <a:t>Fifth level</a:t>
             </a:r>
+            <a:endParaRPr lang="en-US"/>
           </a:p>
         </p:txBody>
       </p:sp>
@@ -1790,7 +1789,7 @@
           <a:p>
             <a:fld id="{5BCAD085-E8A6-8845-BD4E-CB4CCA059FC4}" type="datetimeFigureOut">
               <a:rPr lang="en-US" smtClean="0"/>
-              <a:t>5/23/2024</a:t>
+              <a:t>1/27/13</a:t>
             </a:fld>
             <a:endParaRPr lang="en-US"/>
           </a:p>
@@ -1884,9 +1883,10 @@
           <a:lstStyle/>
           <a:p>
             <a:r>
-              <a:rPr lang="en-US"/>
+              <a:rPr lang="en-US" smtClean="0"/>
               <a:t>Click to edit Master title style</a:t>
             </a:r>
+            <a:endParaRPr lang="en-US"/>
           </a:p>
         </p:txBody>
       </p:sp>
@@ -1907,7 +1907,7 @@
           <a:p>
             <a:fld id="{5BCAD085-E8A6-8845-BD4E-CB4CCA059FC4}" type="datetimeFigureOut">
               <a:rPr lang="en-US" smtClean="0"/>
-              <a:t>5/23/2024</a:t>
+              <a:t>1/27/13</a:t>
             </a:fld>
             <a:endParaRPr lang="en-US"/>
           </a:p>
@@ -2002,7 +2002,7 @@
           <a:p>
             <a:fld id="{5BCAD085-E8A6-8845-BD4E-CB4CCA059FC4}" type="datetimeFigureOut">
               <a:rPr lang="en-US" smtClean="0"/>
-              <a:t>5/23/2024</a:t>
+              <a:t>1/27/13</a:t>
             </a:fld>
             <a:endParaRPr lang="en-US"/>
           </a:p>
@@ -2105,9 +2105,10 @@
           </a:lstStyle>
           <a:p>
             <a:r>
-              <a:rPr lang="en-US"/>
+              <a:rPr lang="en-US" smtClean="0"/>
               <a:t>Click to edit Master title style</a:t>
             </a:r>
+            <a:endParaRPr lang="en-US"/>
           </a:p>
         </p:txBody>
       </p:sp>
@@ -2161,37 +2162,38 @@
           <a:p>
             <a:pPr lvl="0"/>
             <a:r>
-              <a:rPr lang="en-US"/>
+              <a:rPr lang="en-US" smtClean="0"/>
               <a:t>Click to edit Master text styles</a:t>
             </a:r>
           </a:p>
           <a:p>
             <a:pPr lvl="1"/>
             <a:r>
-              <a:rPr lang="en-US"/>
+              <a:rPr lang="en-US" smtClean="0"/>
               <a:t>Second level</a:t>
             </a:r>
           </a:p>
           <a:p>
             <a:pPr lvl="2"/>
             <a:r>
-              <a:rPr lang="en-US"/>
+              <a:rPr lang="en-US" smtClean="0"/>
               <a:t>Third level</a:t>
             </a:r>
           </a:p>
           <a:p>
             <a:pPr lvl="3"/>
             <a:r>
-              <a:rPr lang="en-US"/>
+              <a:rPr lang="en-US" smtClean="0"/>
               <a:t>Fourth level</a:t>
             </a:r>
           </a:p>
           <a:p>
             <a:pPr lvl="4"/>
             <a:r>
-              <a:rPr lang="en-US"/>
+              <a:rPr lang="en-US" smtClean="0"/>
               <a:t>Fifth level</a:t>
             </a:r>
+            <a:endParaRPr lang="en-US"/>
           </a:p>
         </p:txBody>
       </p:sp>
@@ -2254,7 +2256,7 @@
           <a:p>
             <a:pPr lvl="0"/>
             <a:r>
-              <a:rPr lang="en-US"/>
+              <a:rPr lang="en-US" smtClean="0"/>
               <a:t>Click to edit Master text styles</a:t>
             </a:r>
           </a:p>
@@ -2277,7 +2279,7 @@
           <a:p>
             <a:fld id="{5BCAD085-E8A6-8845-BD4E-CB4CCA059FC4}" type="datetimeFigureOut">
               <a:rPr lang="en-US" smtClean="0"/>
-              <a:t>5/23/2024</a:t>
+              <a:t>1/27/13</a:t>
             </a:fld>
             <a:endParaRPr lang="en-US"/>
           </a:p>
@@ -2380,9 +2382,10 @@
           </a:lstStyle>
           <a:p>
             <a:r>
-              <a:rPr lang="en-US"/>
+              <a:rPr lang="en-US" smtClean="0"/>
               <a:t>Click to edit Master title style</a:t>
             </a:r>
+            <a:endParaRPr lang="en-US"/>
           </a:p>
         </p:txBody>
       </p:sp>
@@ -2506,7 +2509,7 @@
           <a:p>
             <a:pPr lvl="0"/>
             <a:r>
-              <a:rPr lang="en-US"/>
+              <a:rPr lang="en-US" smtClean="0"/>
               <a:t>Click to edit Master text styles</a:t>
             </a:r>
           </a:p>
@@ -2529,7 +2532,7 @@
           <a:p>
             <a:fld id="{5BCAD085-E8A6-8845-BD4E-CB4CCA059FC4}" type="datetimeFigureOut">
               <a:rPr lang="en-US" smtClean="0"/>
-              <a:t>5/23/2024</a:t>
+              <a:t>1/27/13</a:t>
             </a:fld>
             <a:endParaRPr lang="en-US"/>
           </a:p>
@@ -2638,9 +2641,10 @@
           <a:lstStyle/>
           <a:p>
             <a:r>
-              <a:rPr lang="en-US"/>
+              <a:rPr lang="en-US" smtClean="0"/>
               <a:t>Click to edit Master title style</a:t>
             </a:r>
+            <a:endParaRPr lang="en-US"/>
           </a:p>
         </p:txBody>
       </p:sp>
@@ -2671,37 +2675,38 @@
           <a:p>
             <a:pPr lvl="0"/>
             <a:r>
-              <a:rPr lang="en-US"/>
+              <a:rPr lang="en-US" smtClean="0"/>
               <a:t>Click to edit Master text styles</a:t>
             </a:r>
           </a:p>
           <a:p>
             <a:pPr lvl="1"/>
             <a:r>
-              <a:rPr lang="en-US"/>
+              <a:rPr lang="en-US" smtClean="0"/>
               <a:t>Second level</a:t>
             </a:r>
           </a:p>
           <a:p>
             <a:pPr lvl="2"/>
             <a:r>
-              <a:rPr lang="en-US"/>
+              <a:rPr lang="en-US" smtClean="0"/>
               <a:t>Third level</a:t>
             </a:r>
           </a:p>
           <a:p>
             <a:pPr lvl="3"/>
             <a:r>
-              <a:rPr lang="en-US"/>
+              <a:rPr lang="en-US" smtClean="0"/>
               <a:t>Fourth level</a:t>
             </a:r>
           </a:p>
           <a:p>
             <a:pPr lvl="4"/>
             <a:r>
-              <a:rPr lang="en-US"/>
+              <a:rPr lang="en-US" smtClean="0"/>
               <a:t>Fifth level</a:t>
             </a:r>
+            <a:endParaRPr lang="en-US"/>
           </a:p>
         </p:txBody>
       </p:sp>
@@ -2740,7 +2745,7 @@
           <a:p>
             <a:fld id="{5BCAD085-E8A6-8845-BD4E-CB4CCA059FC4}" type="datetimeFigureOut">
               <a:rPr lang="en-US" smtClean="0"/>
-              <a:t>5/23/2024</a:t>
+              <a:t>1/27/13</a:t>
             </a:fld>
             <a:endParaRPr lang="en-US"/>
           </a:p>
@@ -3099,7 +3104,7 @@
 </file>
 
 <file path=ppt/slides/slide1.xml><?xml version="1.0" encoding="utf-8"?>
-<p:sld xmlns:a="http://schemas.openxmlformats.org/drawingml/2006/main" xmlns:r="http://schemas.openxmlformats.org/officeDocument/2006/relationships" xmlns:p="http://schemas.openxmlformats.org/presentationml/2006/main">
+<p:sld xmlns:a="http://schemas.openxmlformats.org/drawingml/2006/main" xmlns:p="http://schemas.openxmlformats.org/presentationml/2006/main" xmlns:r="http://schemas.openxmlformats.org/officeDocument/2006/relationships">
   <p:cSld>
     <p:spTree>
       <p:nvGrpSpPr>
@@ -3107,14 +3112,7 @@
         <p:cNvGrpSpPr/>
         <p:nvPr/>
       </p:nvGrpSpPr>
-      <p:grpSpPr>
-        <a:xfrm>
-          <a:off x="0" y="0"/>
-          <a:ext cx="0" cy="0"/>
-          <a:chOff x="0" y="0"/>
-          <a:chExt cx="0" cy="0"/>
-        </a:xfrm>
-      </p:grpSpPr>
+      <p:grpSpPr/>
       <p:pic>
         <p:nvPicPr>
           <p:cNvPr id="2" name="Picture 1" descr="Layers.png"/>
@@ -3131,7 +3129,7 @@
         </p:blipFill>
         <p:spPr>
           <a:xfrm>
-            <a:off x="-1417320" y="-4480560"/>
+            <a:off x="-1417320" y="-4572000"/>
             <a:ext cx="11612880" cy="11612880"/>
           </a:xfrm>
           <a:prstGeom prst="rect">
@@ -3139,53 +3137,6 @@
           </a:prstGeom>
         </p:spPr>
       </p:pic>
-      <p:sp>
-        <p:nvSpPr>
-          <p:cNvPr id="3" name="Rectangle 2">
-            <a:extLst>
-              <a:ext uri="{FF2B5EF4-FFF2-40B4-BE49-F238E27FC236}">
-                <a16:creationId xmlns:a16="http://schemas.microsoft.com/office/drawing/2014/main" id="{3CC1E647-EF45-1554-96FC-232A43B43AED}"/>
-              </a:ext>
-            </a:extLst>
-          </p:cNvPr>
-          <p:cNvSpPr/>
-          <p:nvPr/>
-        </p:nvSpPr>
-        <p:spPr>
-          <a:xfrm>
-            <a:off x="-532660" y="-248575"/>
-            <a:ext cx="10342485" cy="3293616"/>
-          </a:xfrm>
-          <a:prstGeom prst="rect">
-            <a:avLst/>
-          </a:prstGeom>
-          <a:solidFill>
-            <a:schemeClr val="tx1"/>
-          </a:solidFill>
-        </p:spPr>
-        <p:style>
-          <a:lnRef idx="1">
-            <a:schemeClr val="accent1"/>
-          </a:lnRef>
-          <a:fillRef idx="3">
-            <a:schemeClr val="accent1"/>
-          </a:fillRef>
-          <a:effectRef idx="2">
-            <a:schemeClr val="accent1"/>
-          </a:effectRef>
-          <a:fontRef idx="minor">
-            <a:schemeClr val="lt1"/>
-          </a:fontRef>
-        </p:style>
-        <p:txBody>
-          <a:bodyPr rtlCol="0" anchor="ctr"/>
-          <a:lstStyle/>
-          <a:p>
-            <a:pPr algn="ctr"/>
-            <a:endParaRPr lang="en-DK"/>
-          </a:p>
-        </p:txBody>
-      </p:sp>
     </p:spTree>
   </p:cSld>
   <p:clrMapOvr>
@@ -3195,7 +3146,7 @@
 </file>
 
 <file path=ppt/slides/slide10.xml><?xml version="1.0" encoding="utf-8"?>
-<p:sld xmlns:a="http://schemas.openxmlformats.org/drawingml/2006/main" xmlns:r="http://schemas.openxmlformats.org/officeDocument/2006/relationships" xmlns:p="http://schemas.openxmlformats.org/presentationml/2006/main">
+<p:sld xmlns:a="http://schemas.openxmlformats.org/drawingml/2006/main" xmlns:p="http://schemas.openxmlformats.org/presentationml/2006/main" xmlns:r="http://schemas.openxmlformats.org/officeDocument/2006/relationships">
   <p:cSld>
     <p:spTree>
       <p:nvGrpSpPr>
@@ -3203,14 +3154,7 @@
         <p:cNvGrpSpPr/>
         <p:nvPr/>
       </p:nvGrpSpPr>
-      <p:grpSpPr>
-        <a:xfrm>
-          <a:off x="0" y="0"/>
-          <a:ext cx="0" cy="0"/>
-          <a:chOff x="0" y="0"/>
-          <a:chExt cx="0" cy="0"/>
-        </a:xfrm>
-      </p:grpSpPr>
+      <p:grpSpPr/>
       <p:pic>
         <p:nvPicPr>
           <p:cNvPr id="2" name="Picture 1" descr="Layers.png"/>
@@ -3227,7 +3171,7 @@
         </p:blipFill>
         <p:spPr>
           <a:xfrm>
-            <a:off x="-1417320" y="-4480560"/>
+            <a:off x="-1417320" y="-4572000"/>
             <a:ext cx="11612880" cy="11612880"/>
           </a:xfrm>
           <a:prstGeom prst="rect">
@@ -3235,53 +3179,6 @@
           </a:prstGeom>
         </p:spPr>
       </p:pic>
-      <p:sp>
-        <p:nvSpPr>
-          <p:cNvPr id="3" name="Rectangle 2">
-            <a:extLst>
-              <a:ext uri="{FF2B5EF4-FFF2-40B4-BE49-F238E27FC236}">
-                <a16:creationId xmlns:a16="http://schemas.microsoft.com/office/drawing/2014/main" id="{CAE674A3-4A62-5F02-D9E1-9D57C669D5EC}"/>
-              </a:ext>
-            </a:extLst>
-          </p:cNvPr>
-          <p:cNvSpPr/>
-          <p:nvPr/>
-        </p:nvSpPr>
-        <p:spPr>
-          <a:xfrm>
-            <a:off x="-532660" y="-248575"/>
-            <a:ext cx="10342485" cy="3293616"/>
-          </a:xfrm>
-          <a:prstGeom prst="rect">
-            <a:avLst/>
-          </a:prstGeom>
-          <a:solidFill>
-            <a:schemeClr val="tx1"/>
-          </a:solidFill>
-        </p:spPr>
-        <p:style>
-          <a:lnRef idx="1">
-            <a:schemeClr val="accent1"/>
-          </a:lnRef>
-          <a:fillRef idx="3">
-            <a:schemeClr val="accent1"/>
-          </a:fillRef>
-          <a:effectRef idx="2">
-            <a:schemeClr val="accent1"/>
-          </a:effectRef>
-          <a:fontRef idx="minor">
-            <a:schemeClr val="lt1"/>
-          </a:fontRef>
-        </p:style>
-        <p:txBody>
-          <a:bodyPr rtlCol="0" anchor="ctr"/>
-          <a:lstStyle/>
-          <a:p>
-            <a:pPr algn="ctr"/>
-            <a:endParaRPr lang="en-DK"/>
-          </a:p>
-        </p:txBody>
-      </p:sp>
     </p:spTree>
   </p:cSld>
   <p:clrMapOvr>
@@ -3291,7 +3188,7 @@
 </file>
 
 <file path=ppt/slides/slide11.xml><?xml version="1.0" encoding="utf-8"?>
-<p:sld xmlns:a="http://schemas.openxmlformats.org/drawingml/2006/main" xmlns:r="http://schemas.openxmlformats.org/officeDocument/2006/relationships" xmlns:p="http://schemas.openxmlformats.org/presentationml/2006/main">
+<p:sld xmlns:a="http://schemas.openxmlformats.org/drawingml/2006/main" xmlns:p="http://schemas.openxmlformats.org/presentationml/2006/main" xmlns:r="http://schemas.openxmlformats.org/officeDocument/2006/relationships">
   <p:cSld>
     <p:spTree>
       <p:nvGrpSpPr>
@@ -3299,14 +3196,7 @@
         <p:cNvGrpSpPr/>
         <p:nvPr/>
       </p:nvGrpSpPr>
-      <p:grpSpPr>
-        <a:xfrm>
-          <a:off x="0" y="0"/>
-          <a:ext cx="0" cy="0"/>
-          <a:chOff x="0" y="0"/>
-          <a:chExt cx="0" cy="0"/>
-        </a:xfrm>
-      </p:grpSpPr>
+      <p:grpSpPr/>
       <p:pic>
         <p:nvPicPr>
           <p:cNvPr id="2" name="Picture 1" descr="Layers.png"/>
@@ -3323,7 +3213,7 @@
         </p:blipFill>
         <p:spPr>
           <a:xfrm>
-            <a:off x="-1417320" y="-4480560"/>
+            <a:off x="-1417320" y="-4572000"/>
             <a:ext cx="11612880" cy="11612880"/>
           </a:xfrm>
           <a:prstGeom prst="rect">
@@ -3331,53 +3221,6 @@
           </a:prstGeom>
         </p:spPr>
       </p:pic>
-      <p:sp>
-        <p:nvSpPr>
-          <p:cNvPr id="3" name="Rectangle 2">
-            <a:extLst>
-              <a:ext uri="{FF2B5EF4-FFF2-40B4-BE49-F238E27FC236}">
-                <a16:creationId xmlns:a16="http://schemas.microsoft.com/office/drawing/2014/main" id="{51763E1E-F3AC-C85B-1CDA-E3D3B783113B}"/>
-              </a:ext>
-            </a:extLst>
-          </p:cNvPr>
-          <p:cNvSpPr/>
-          <p:nvPr/>
-        </p:nvSpPr>
-        <p:spPr>
-          <a:xfrm>
-            <a:off x="-532660" y="-248575"/>
-            <a:ext cx="10342485" cy="3293616"/>
-          </a:xfrm>
-          <a:prstGeom prst="rect">
-            <a:avLst/>
-          </a:prstGeom>
-          <a:solidFill>
-            <a:schemeClr val="tx1"/>
-          </a:solidFill>
-        </p:spPr>
-        <p:style>
-          <a:lnRef idx="1">
-            <a:schemeClr val="accent1"/>
-          </a:lnRef>
-          <a:fillRef idx="3">
-            <a:schemeClr val="accent1"/>
-          </a:fillRef>
-          <a:effectRef idx="2">
-            <a:schemeClr val="accent1"/>
-          </a:effectRef>
-          <a:fontRef idx="minor">
-            <a:schemeClr val="lt1"/>
-          </a:fontRef>
-        </p:style>
-        <p:txBody>
-          <a:bodyPr rtlCol="0" anchor="ctr"/>
-          <a:lstStyle/>
-          <a:p>
-            <a:pPr algn="ctr"/>
-            <a:endParaRPr lang="en-DK"/>
-          </a:p>
-        </p:txBody>
-      </p:sp>
     </p:spTree>
   </p:cSld>
   <p:clrMapOvr>
@@ -3387,7 +3230,7 @@
 </file>
 
 <file path=ppt/slides/slide12.xml><?xml version="1.0" encoding="utf-8"?>
-<p:sld xmlns:a="http://schemas.openxmlformats.org/drawingml/2006/main" xmlns:r="http://schemas.openxmlformats.org/officeDocument/2006/relationships" xmlns:p="http://schemas.openxmlformats.org/presentationml/2006/main">
+<p:sld xmlns:a="http://schemas.openxmlformats.org/drawingml/2006/main" xmlns:p="http://schemas.openxmlformats.org/presentationml/2006/main" xmlns:r="http://schemas.openxmlformats.org/officeDocument/2006/relationships">
   <p:cSld>
     <p:spTree>
       <p:nvGrpSpPr>
@@ -3395,14 +3238,7 @@
         <p:cNvGrpSpPr/>
         <p:nvPr/>
       </p:nvGrpSpPr>
-      <p:grpSpPr>
-        <a:xfrm>
-          <a:off x="0" y="0"/>
-          <a:ext cx="0" cy="0"/>
-          <a:chOff x="0" y="0"/>
-          <a:chExt cx="0" cy="0"/>
-        </a:xfrm>
-      </p:grpSpPr>
+      <p:grpSpPr/>
       <p:pic>
         <p:nvPicPr>
           <p:cNvPr id="2" name="Picture 1" descr="Layers.png"/>
@@ -3419,7 +3255,7 @@
         </p:blipFill>
         <p:spPr>
           <a:xfrm>
-            <a:off x="-1417320" y="-4480560"/>
+            <a:off x="-1417320" y="-4572000"/>
             <a:ext cx="11612880" cy="11612880"/>
           </a:xfrm>
           <a:prstGeom prst="rect">
@@ -3427,53 +3263,6 @@
           </a:prstGeom>
         </p:spPr>
       </p:pic>
-      <p:sp>
-        <p:nvSpPr>
-          <p:cNvPr id="3" name="Rectangle 2">
-            <a:extLst>
-              <a:ext uri="{FF2B5EF4-FFF2-40B4-BE49-F238E27FC236}">
-                <a16:creationId xmlns:a16="http://schemas.microsoft.com/office/drawing/2014/main" id="{0CCC5F6A-026B-BCAC-D6FF-6C8246D60A89}"/>
-              </a:ext>
-            </a:extLst>
-          </p:cNvPr>
-          <p:cNvSpPr/>
-          <p:nvPr/>
-        </p:nvSpPr>
-        <p:spPr>
-          <a:xfrm>
-            <a:off x="-532660" y="-248575"/>
-            <a:ext cx="10342485" cy="3293616"/>
-          </a:xfrm>
-          <a:prstGeom prst="rect">
-            <a:avLst/>
-          </a:prstGeom>
-          <a:solidFill>
-            <a:schemeClr val="tx1"/>
-          </a:solidFill>
-        </p:spPr>
-        <p:style>
-          <a:lnRef idx="1">
-            <a:schemeClr val="accent1"/>
-          </a:lnRef>
-          <a:fillRef idx="3">
-            <a:schemeClr val="accent1"/>
-          </a:fillRef>
-          <a:effectRef idx="2">
-            <a:schemeClr val="accent1"/>
-          </a:effectRef>
-          <a:fontRef idx="minor">
-            <a:schemeClr val="lt1"/>
-          </a:fontRef>
-        </p:style>
-        <p:txBody>
-          <a:bodyPr rtlCol="0" anchor="ctr"/>
-          <a:lstStyle/>
-          <a:p>
-            <a:pPr algn="ctr"/>
-            <a:endParaRPr lang="en-DK"/>
-          </a:p>
-        </p:txBody>
-      </p:sp>
     </p:spTree>
   </p:cSld>
   <p:clrMapOvr>
@@ -3483,7 +3272,7 @@
 </file>
 
 <file path=ppt/slides/slide13.xml><?xml version="1.0" encoding="utf-8"?>
-<p:sld xmlns:a="http://schemas.openxmlformats.org/drawingml/2006/main" xmlns:r="http://schemas.openxmlformats.org/officeDocument/2006/relationships" xmlns:p="http://schemas.openxmlformats.org/presentationml/2006/main">
+<p:sld xmlns:a="http://schemas.openxmlformats.org/drawingml/2006/main" xmlns:p="http://schemas.openxmlformats.org/presentationml/2006/main" xmlns:r="http://schemas.openxmlformats.org/officeDocument/2006/relationships">
   <p:cSld>
     <p:spTree>
       <p:nvGrpSpPr>
@@ -3491,14 +3280,7 @@
         <p:cNvGrpSpPr/>
         <p:nvPr/>
       </p:nvGrpSpPr>
-      <p:grpSpPr>
-        <a:xfrm>
-          <a:off x="0" y="0"/>
-          <a:ext cx="0" cy="0"/>
-          <a:chOff x="0" y="0"/>
-          <a:chExt cx="0" cy="0"/>
-        </a:xfrm>
-      </p:grpSpPr>
+      <p:grpSpPr/>
       <p:pic>
         <p:nvPicPr>
           <p:cNvPr id="2" name="Picture 1" descr="Layers.png"/>
@@ -3515,7 +3297,7 @@
         </p:blipFill>
         <p:spPr>
           <a:xfrm>
-            <a:off x="-1417320" y="-4480560"/>
+            <a:off x="-1417320" y="-4572000"/>
             <a:ext cx="11612880" cy="11612880"/>
           </a:xfrm>
           <a:prstGeom prst="rect">
@@ -3523,53 +3305,6 @@
           </a:prstGeom>
         </p:spPr>
       </p:pic>
-      <p:sp>
-        <p:nvSpPr>
-          <p:cNvPr id="3" name="Rectangle 2">
-            <a:extLst>
-              <a:ext uri="{FF2B5EF4-FFF2-40B4-BE49-F238E27FC236}">
-                <a16:creationId xmlns:a16="http://schemas.microsoft.com/office/drawing/2014/main" id="{5E048C2D-9590-5CD5-488C-7391CF781C2F}"/>
-              </a:ext>
-            </a:extLst>
-          </p:cNvPr>
-          <p:cNvSpPr/>
-          <p:nvPr/>
-        </p:nvSpPr>
-        <p:spPr>
-          <a:xfrm>
-            <a:off x="-532660" y="-248575"/>
-            <a:ext cx="10342485" cy="3293616"/>
-          </a:xfrm>
-          <a:prstGeom prst="rect">
-            <a:avLst/>
-          </a:prstGeom>
-          <a:solidFill>
-            <a:schemeClr val="tx1"/>
-          </a:solidFill>
-        </p:spPr>
-        <p:style>
-          <a:lnRef idx="1">
-            <a:schemeClr val="accent1"/>
-          </a:lnRef>
-          <a:fillRef idx="3">
-            <a:schemeClr val="accent1"/>
-          </a:fillRef>
-          <a:effectRef idx="2">
-            <a:schemeClr val="accent1"/>
-          </a:effectRef>
-          <a:fontRef idx="minor">
-            <a:schemeClr val="lt1"/>
-          </a:fontRef>
-        </p:style>
-        <p:txBody>
-          <a:bodyPr rtlCol="0" anchor="ctr"/>
-          <a:lstStyle/>
-          <a:p>
-            <a:pPr algn="ctr"/>
-            <a:endParaRPr lang="en-DK"/>
-          </a:p>
-        </p:txBody>
-      </p:sp>
     </p:spTree>
   </p:cSld>
   <p:clrMapOvr>
@@ -3579,7 +3314,7 @@
 </file>
 
 <file path=ppt/slides/slide14.xml><?xml version="1.0" encoding="utf-8"?>
-<p:sld xmlns:a="http://schemas.openxmlformats.org/drawingml/2006/main" xmlns:r="http://schemas.openxmlformats.org/officeDocument/2006/relationships" xmlns:p="http://schemas.openxmlformats.org/presentationml/2006/main">
+<p:sld xmlns:a="http://schemas.openxmlformats.org/drawingml/2006/main" xmlns:p="http://schemas.openxmlformats.org/presentationml/2006/main" xmlns:r="http://schemas.openxmlformats.org/officeDocument/2006/relationships">
   <p:cSld>
     <p:spTree>
       <p:nvGrpSpPr>
@@ -3587,14 +3322,7 @@
         <p:cNvGrpSpPr/>
         <p:nvPr/>
       </p:nvGrpSpPr>
-      <p:grpSpPr>
-        <a:xfrm>
-          <a:off x="0" y="0"/>
-          <a:ext cx="0" cy="0"/>
-          <a:chOff x="0" y="0"/>
-          <a:chExt cx="0" cy="0"/>
-        </a:xfrm>
-      </p:grpSpPr>
+      <p:grpSpPr/>
       <p:pic>
         <p:nvPicPr>
           <p:cNvPr id="2" name="Picture 1" descr="Layers.png"/>
@@ -3611,7 +3339,7 @@
         </p:blipFill>
         <p:spPr>
           <a:xfrm>
-            <a:off x="-1417320" y="-4480560"/>
+            <a:off x="-1417320" y="-4572000"/>
             <a:ext cx="11612880" cy="11612880"/>
           </a:xfrm>
           <a:prstGeom prst="rect">
@@ -3619,53 +3347,6 @@
           </a:prstGeom>
         </p:spPr>
       </p:pic>
-      <p:sp>
-        <p:nvSpPr>
-          <p:cNvPr id="3" name="Rectangle 2">
-            <a:extLst>
-              <a:ext uri="{FF2B5EF4-FFF2-40B4-BE49-F238E27FC236}">
-                <a16:creationId xmlns:a16="http://schemas.microsoft.com/office/drawing/2014/main" id="{C5776DE8-7FD0-FC87-44E1-F67F28D08B18}"/>
-              </a:ext>
-            </a:extLst>
-          </p:cNvPr>
-          <p:cNvSpPr/>
-          <p:nvPr/>
-        </p:nvSpPr>
-        <p:spPr>
-          <a:xfrm>
-            <a:off x="-532660" y="-248575"/>
-            <a:ext cx="10342485" cy="3293616"/>
-          </a:xfrm>
-          <a:prstGeom prst="rect">
-            <a:avLst/>
-          </a:prstGeom>
-          <a:solidFill>
-            <a:schemeClr val="tx1"/>
-          </a:solidFill>
-        </p:spPr>
-        <p:style>
-          <a:lnRef idx="1">
-            <a:schemeClr val="accent1"/>
-          </a:lnRef>
-          <a:fillRef idx="3">
-            <a:schemeClr val="accent1"/>
-          </a:fillRef>
-          <a:effectRef idx="2">
-            <a:schemeClr val="accent1"/>
-          </a:effectRef>
-          <a:fontRef idx="minor">
-            <a:schemeClr val="lt1"/>
-          </a:fontRef>
-        </p:style>
-        <p:txBody>
-          <a:bodyPr rtlCol="0" anchor="ctr"/>
-          <a:lstStyle/>
-          <a:p>
-            <a:pPr algn="ctr"/>
-            <a:endParaRPr lang="en-DK"/>
-          </a:p>
-        </p:txBody>
-      </p:sp>
     </p:spTree>
   </p:cSld>
   <p:clrMapOvr>
@@ -3675,7 +3356,7 @@
 </file>
 
 <file path=ppt/slides/slide15.xml><?xml version="1.0" encoding="utf-8"?>
-<p:sld xmlns:a="http://schemas.openxmlformats.org/drawingml/2006/main" xmlns:r="http://schemas.openxmlformats.org/officeDocument/2006/relationships" xmlns:p="http://schemas.openxmlformats.org/presentationml/2006/main">
+<p:sld xmlns:a="http://schemas.openxmlformats.org/drawingml/2006/main" xmlns:p="http://schemas.openxmlformats.org/presentationml/2006/main" xmlns:r="http://schemas.openxmlformats.org/officeDocument/2006/relationships">
   <p:cSld>
     <p:spTree>
       <p:nvGrpSpPr>
@@ -3683,14 +3364,7 @@
         <p:cNvGrpSpPr/>
         <p:nvPr/>
       </p:nvGrpSpPr>
-      <p:grpSpPr>
-        <a:xfrm>
-          <a:off x="0" y="0"/>
-          <a:ext cx="0" cy="0"/>
-          <a:chOff x="0" y="0"/>
-          <a:chExt cx="0" cy="0"/>
-        </a:xfrm>
-      </p:grpSpPr>
+      <p:grpSpPr/>
       <p:pic>
         <p:nvPicPr>
           <p:cNvPr id="2" name="Picture 1" descr="Layers.png"/>
@@ -3707,7 +3381,7 @@
         </p:blipFill>
         <p:spPr>
           <a:xfrm>
-            <a:off x="-1417320" y="-4480560"/>
+            <a:off x="-1417320" y="-4572000"/>
             <a:ext cx="11612880" cy="11612880"/>
           </a:xfrm>
           <a:prstGeom prst="rect">
@@ -3715,53 +3389,6 @@
           </a:prstGeom>
         </p:spPr>
       </p:pic>
-      <p:sp>
-        <p:nvSpPr>
-          <p:cNvPr id="3" name="Rectangle 2">
-            <a:extLst>
-              <a:ext uri="{FF2B5EF4-FFF2-40B4-BE49-F238E27FC236}">
-                <a16:creationId xmlns:a16="http://schemas.microsoft.com/office/drawing/2014/main" id="{1DDD98F7-C594-383E-7F66-215C47F92E95}"/>
-              </a:ext>
-            </a:extLst>
-          </p:cNvPr>
-          <p:cNvSpPr/>
-          <p:nvPr/>
-        </p:nvSpPr>
-        <p:spPr>
-          <a:xfrm>
-            <a:off x="-532660" y="-248575"/>
-            <a:ext cx="10342485" cy="3293616"/>
-          </a:xfrm>
-          <a:prstGeom prst="rect">
-            <a:avLst/>
-          </a:prstGeom>
-          <a:solidFill>
-            <a:schemeClr val="tx1"/>
-          </a:solidFill>
-        </p:spPr>
-        <p:style>
-          <a:lnRef idx="1">
-            <a:schemeClr val="accent1"/>
-          </a:lnRef>
-          <a:fillRef idx="3">
-            <a:schemeClr val="accent1"/>
-          </a:fillRef>
-          <a:effectRef idx="2">
-            <a:schemeClr val="accent1"/>
-          </a:effectRef>
-          <a:fontRef idx="minor">
-            <a:schemeClr val="lt1"/>
-          </a:fontRef>
-        </p:style>
-        <p:txBody>
-          <a:bodyPr rtlCol="0" anchor="ctr"/>
-          <a:lstStyle/>
-          <a:p>
-            <a:pPr algn="ctr"/>
-            <a:endParaRPr lang="en-DK"/>
-          </a:p>
-        </p:txBody>
-      </p:sp>
     </p:spTree>
   </p:cSld>
   <p:clrMapOvr>
@@ -3771,7 +3398,7 @@
 </file>
 
 <file path=ppt/slides/slide16.xml><?xml version="1.0" encoding="utf-8"?>
-<p:sld xmlns:a="http://schemas.openxmlformats.org/drawingml/2006/main" xmlns:r="http://schemas.openxmlformats.org/officeDocument/2006/relationships" xmlns:p="http://schemas.openxmlformats.org/presentationml/2006/main">
+<p:sld xmlns:a="http://schemas.openxmlformats.org/drawingml/2006/main" xmlns:p="http://schemas.openxmlformats.org/presentationml/2006/main" xmlns:r="http://schemas.openxmlformats.org/officeDocument/2006/relationships">
   <p:cSld>
     <p:spTree>
       <p:nvGrpSpPr>
@@ -3779,14 +3406,7 @@
         <p:cNvGrpSpPr/>
         <p:nvPr/>
       </p:nvGrpSpPr>
-      <p:grpSpPr>
-        <a:xfrm>
-          <a:off x="0" y="0"/>
-          <a:ext cx="0" cy="0"/>
-          <a:chOff x="0" y="0"/>
-          <a:chExt cx="0" cy="0"/>
-        </a:xfrm>
-      </p:grpSpPr>
+      <p:grpSpPr/>
       <p:pic>
         <p:nvPicPr>
           <p:cNvPr id="2" name="Picture 1" descr="Layers.png"/>
@@ -3803,7 +3423,7 @@
         </p:blipFill>
         <p:spPr>
           <a:xfrm>
-            <a:off x="-1417320" y="-4480560"/>
+            <a:off x="-1417320" y="-4572000"/>
             <a:ext cx="11612880" cy="11612880"/>
           </a:xfrm>
           <a:prstGeom prst="rect">
@@ -3811,53 +3431,6 @@
           </a:prstGeom>
         </p:spPr>
       </p:pic>
-      <p:sp>
-        <p:nvSpPr>
-          <p:cNvPr id="3" name="Rectangle 2">
-            <a:extLst>
-              <a:ext uri="{FF2B5EF4-FFF2-40B4-BE49-F238E27FC236}">
-                <a16:creationId xmlns:a16="http://schemas.microsoft.com/office/drawing/2014/main" id="{509446AC-2B46-BC2E-13BE-74D510BCE87B}"/>
-              </a:ext>
-            </a:extLst>
-          </p:cNvPr>
-          <p:cNvSpPr/>
-          <p:nvPr/>
-        </p:nvSpPr>
-        <p:spPr>
-          <a:xfrm>
-            <a:off x="-532660" y="-248575"/>
-            <a:ext cx="10342485" cy="3293616"/>
-          </a:xfrm>
-          <a:prstGeom prst="rect">
-            <a:avLst/>
-          </a:prstGeom>
-          <a:solidFill>
-            <a:schemeClr val="tx1"/>
-          </a:solidFill>
-        </p:spPr>
-        <p:style>
-          <a:lnRef idx="1">
-            <a:schemeClr val="accent1"/>
-          </a:lnRef>
-          <a:fillRef idx="3">
-            <a:schemeClr val="accent1"/>
-          </a:fillRef>
-          <a:effectRef idx="2">
-            <a:schemeClr val="accent1"/>
-          </a:effectRef>
-          <a:fontRef idx="minor">
-            <a:schemeClr val="lt1"/>
-          </a:fontRef>
-        </p:style>
-        <p:txBody>
-          <a:bodyPr rtlCol="0" anchor="ctr"/>
-          <a:lstStyle/>
-          <a:p>
-            <a:pPr algn="ctr"/>
-            <a:endParaRPr lang="en-DK"/>
-          </a:p>
-        </p:txBody>
-      </p:sp>
     </p:spTree>
   </p:cSld>
   <p:clrMapOvr>
@@ -3867,7 +3440,7 @@
 </file>
 
 <file path=ppt/slides/slide17.xml><?xml version="1.0" encoding="utf-8"?>
-<p:sld xmlns:a="http://schemas.openxmlformats.org/drawingml/2006/main" xmlns:r="http://schemas.openxmlformats.org/officeDocument/2006/relationships" xmlns:p="http://schemas.openxmlformats.org/presentationml/2006/main">
+<p:sld xmlns:a="http://schemas.openxmlformats.org/drawingml/2006/main" xmlns:p="http://schemas.openxmlformats.org/presentationml/2006/main" xmlns:r="http://schemas.openxmlformats.org/officeDocument/2006/relationships">
   <p:cSld>
     <p:spTree>
       <p:nvGrpSpPr>
@@ -3875,14 +3448,7 @@
         <p:cNvGrpSpPr/>
         <p:nvPr/>
       </p:nvGrpSpPr>
-      <p:grpSpPr>
-        <a:xfrm>
-          <a:off x="0" y="0"/>
-          <a:ext cx="0" cy="0"/>
-          <a:chOff x="0" y="0"/>
-          <a:chExt cx="0" cy="0"/>
-        </a:xfrm>
-      </p:grpSpPr>
+      <p:grpSpPr/>
       <p:pic>
         <p:nvPicPr>
           <p:cNvPr id="2" name="Picture 1" descr="Layers.png"/>
@@ -3899,7 +3465,7 @@
         </p:blipFill>
         <p:spPr>
           <a:xfrm>
-            <a:off x="-1417320" y="-4480560"/>
+            <a:off x="-1417320" y="-4572000"/>
             <a:ext cx="11612880" cy="11612880"/>
           </a:xfrm>
           <a:prstGeom prst="rect">
@@ -3907,53 +3473,6 @@
           </a:prstGeom>
         </p:spPr>
       </p:pic>
-      <p:sp>
-        <p:nvSpPr>
-          <p:cNvPr id="3" name="Rectangle 2">
-            <a:extLst>
-              <a:ext uri="{FF2B5EF4-FFF2-40B4-BE49-F238E27FC236}">
-                <a16:creationId xmlns:a16="http://schemas.microsoft.com/office/drawing/2014/main" id="{7DDB9BDF-5118-26A8-68E2-3467917A08B7}"/>
-              </a:ext>
-            </a:extLst>
-          </p:cNvPr>
-          <p:cNvSpPr/>
-          <p:nvPr/>
-        </p:nvSpPr>
-        <p:spPr>
-          <a:xfrm>
-            <a:off x="-532660" y="-248575"/>
-            <a:ext cx="10342485" cy="3293616"/>
-          </a:xfrm>
-          <a:prstGeom prst="rect">
-            <a:avLst/>
-          </a:prstGeom>
-          <a:solidFill>
-            <a:schemeClr val="tx1"/>
-          </a:solidFill>
-        </p:spPr>
-        <p:style>
-          <a:lnRef idx="1">
-            <a:schemeClr val="accent1"/>
-          </a:lnRef>
-          <a:fillRef idx="3">
-            <a:schemeClr val="accent1"/>
-          </a:fillRef>
-          <a:effectRef idx="2">
-            <a:schemeClr val="accent1"/>
-          </a:effectRef>
-          <a:fontRef idx="minor">
-            <a:schemeClr val="lt1"/>
-          </a:fontRef>
-        </p:style>
-        <p:txBody>
-          <a:bodyPr rtlCol="0" anchor="ctr"/>
-          <a:lstStyle/>
-          <a:p>
-            <a:pPr algn="ctr"/>
-            <a:endParaRPr lang="en-DK"/>
-          </a:p>
-        </p:txBody>
-      </p:sp>
     </p:spTree>
   </p:cSld>
   <p:clrMapOvr>
@@ -3963,7 +3482,7 @@
 </file>
 
 <file path=ppt/slides/slide18.xml><?xml version="1.0" encoding="utf-8"?>
-<p:sld xmlns:a="http://schemas.openxmlformats.org/drawingml/2006/main" xmlns:r="http://schemas.openxmlformats.org/officeDocument/2006/relationships" xmlns:p="http://schemas.openxmlformats.org/presentationml/2006/main">
+<p:sld xmlns:a="http://schemas.openxmlformats.org/drawingml/2006/main" xmlns:p="http://schemas.openxmlformats.org/presentationml/2006/main" xmlns:r="http://schemas.openxmlformats.org/officeDocument/2006/relationships">
   <p:cSld>
     <p:spTree>
       <p:nvGrpSpPr>
@@ -3971,14 +3490,7 @@
         <p:cNvGrpSpPr/>
         <p:nvPr/>
       </p:nvGrpSpPr>
-      <p:grpSpPr>
-        <a:xfrm>
-          <a:off x="0" y="0"/>
-          <a:ext cx="0" cy="0"/>
-          <a:chOff x="0" y="0"/>
-          <a:chExt cx="0" cy="0"/>
-        </a:xfrm>
-      </p:grpSpPr>
+      <p:grpSpPr/>
       <p:pic>
         <p:nvPicPr>
           <p:cNvPr id="2" name="Picture 1" descr="Layers.png"/>
@@ -3995,7 +3507,7 @@
         </p:blipFill>
         <p:spPr>
           <a:xfrm>
-            <a:off x="-1417320" y="-4480560"/>
+            <a:off x="-1417320" y="-4572000"/>
             <a:ext cx="11612880" cy="11612880"/>
           </a:xfrm>
           <a:prstGeom prst="rect">
@@ -4003,53 +3515,6 @@
           </a:prstGeom>
         </p:spPr>
       </p:pic>
-      <p:sp>
-        <p:nvSpPr>
-          <p:cNvPr id="3" name="Rectangle 2">
-            <a:extLst>
-              <a:ext uri="{FF2B5EF4-FFF2-40B4-BE49-F238E27FC236}">
-                <a16:creationId xmlns:a16="http://schemas.microsoft.com/office/drawing/2014/main" id="{8FB5127A-4DE2-BA63-BF83-BA60C480E8DC}"/>
-              </a:ext>
-            </a:extLst>
-          </p:cNvPr>
-          <p:cNvSpPr/>
-          <p:nvPr/>
-        </p:nvSpPr>
-        <p:spPr>
-          <a:xfrm>
-            <a:off x="-532660" y="-248575"/>
-            <a:ext cx="10342485" cy="3293616"/>
-          </a:xfrm>
-          <a:prstGeom prst="rect">
-            <a:avLst/>
-          </a:prstGeom>
-          <a:solidFill>
-            <a:schemeClr val="tx1"/>
-          </a:solidFill>
-        </p:spPr>
-        <p:style>
-          <a:lnRef idx="1">
-            <a:schemeClr val="accent1"/>
-          </a:lnRef>
-          <a:fillRef idx="3">
-            <a:schemeClr val="accent1"/>
-          </a:fillRef>
-          <a:effectRef idx="2">
-            <a:schemeClr val="accent1"/>
-          </a:effectRef>
-          <a:fontRef idx="minor">
-            <a:schemeClr val="lt1"/>
-          </a:fontRef>
-        </p:style>
-        <p:txBody>
-          <a:bodyPr rtlCol="0" anchor="ctr"/>
-          <a:lstStyle/>
-          <a:p>
-            <a:pPr algn="ctr"/>
-            <a:endParaRPr lang="en-DK"/>
-          </a:p>
-        </p:txBody>
-      </p:sp>
     </p:spTree>
   </p:cSld>
   <p:clrMapOvr>
@@ -4059,7 +3524,7 @@
 </file>
 
 <file path=ppt/slides/slide19.xml><?xml version="1.0" encoding="utf-8"?>
-<p:sld xmlns:a="http://schemas.openxmlformats.org/drawingml/2006/main" xmlns:r="http://schemas.openxmlformats.org/officeDocument/2006/relationships" xmlns:p="http://schemas.openxmlformats.org/presentationml/2006/main">
+<p:sld xmlns:a="http://schemas.openxmlformats.org/drawingml/2006/main" xmlns:p="http://schemas.openxmlformats.org/presentationml/2006/main" xmlns:r="http://schemas.openxmlformats.org/officeDocument/2006/relationships">
   <p:cSld>
     <p:spTree>
       <p:nvGrpSpPr>
@@ -4067,14 +3532,7 @@
         <p:cNvGrpSpPr/>
         <p:nvPr/>
       </p:nvGrpSpPr>
-      <p:grpSpPr>
-        <a:xfrm>
-          <a:off x="0" y="0"/>
-          <a:ext cx="0" cy="0"/>
-          <a:chOff x="0" y="0"/>
-          <a:chExt cx="0" cy="0"/>
-        </a:xfrm>
-      </p:grpSpPr>
+      <p:grpSpPr/>
       <p:pic>
         <p:nvPicPr>
           <p:cNvPr id="2" name="Picture 1" descr="Layers.png"/>
@@ -4091,7 +3549,7 @@
         </p:blipFill>
         <p:spPr>
           <a:xfrm>
-            <a:off x="-1417320" y="-4480560"/>
+            <a:off x="-1417320" y="-4572000"/>
             <a:ext cx="11612880" cy="11612880"/>
           </a:xfrm>
           <a:prstGeom prst="rect">
@@ -4099,53 +3557,6 @@
           </a:prstGeom>
         </p:spPr>
       </p:pic>
-      <p:sp>
-        <p:nvSpPr>
-          <p:cNvPr id="3" name="Rectangle 2">
-            <a:extLst>
-              <a:ext uri="{FF2B5EF4-FFF2-40B4-BE49-F238E27FC236}">
-                <a16:creationId xmlns:a16="http://schemas.microsoft.com/office/drawing/2014/main" id="{7BB0B6A6-DFFE-CFFB-E24D-E7B9D3796B01}"/>
-              </a:ext>
-            </a:extLst>
-          </p:cNvPr>
-          <p:cNvSpPr/>
-          <p:nvPr/>
-        </p:nvSpPr>
-        <p:spPr>
-          <a:xfrm>
-            <a:off x="-532660" y="-248575"/>
-            <a:ext cx="10342485" cy="3293616"/>
-          </a:xfrm>
-          <a:prstGeom prst="rect">
-            <a:avLst/>
-          </a:prstGeom>
-          <a:solidFill>
-            <a:schemeClr val="tx1"/>
-          </a:solidFill>
-        </p:spPr>
-        <p:style>
-          <a:lnRef idx="1">
-            <a:schemeClr val="accent1"/>
-          </a:lnRef>
-          <a:fillRef idx="3">
-            <a:schemeClr val="accent1"/>
-          </a:fillRef>
-          <a:effectRef idx="2">
-            <a:schemeClr val="accent1"/>
-          </a:effectRef>
-          <a:fontRef idx="minor">
-            <a:schemeClr val="lt1"/>
-          </a:fontRef>
-        </p:style>
-        <p:txBody>
-          <a:bodyPr rtlCol="0" anchor="ctr"/>
-          <a:lstStyle/>
-          <a:p>
-            <a:pPr algn="ctr"/>
-            <a:endParaRPr lang="en-DK"/>
-          </a:p>
-        </p:txBody>
-      </p:sp>
     </p:spTree>
   </p:cSld>
   <p:clrMapOvr>
@@ -4155,7 +3566,7 @@
 </file>
 
 <file path=ppt/slides/slide2.xml><?xml version="1.0" encoding="utf-8"?>
-<p:sld xmlns:a="http://schemas.openxmlformats.org/drawingml/2006/main" xmlns:r="http://schemas.openxmlformats.org/officeDocument/2006/relationships" xmlns:p="http://schemas.openxmlformats.org/presentationml/2006/main">
+<p:sld xmlns:a="http://schemas.openxmlformats.org/drawingml/2006/main" xmlns:p="http://schemas.openxmlformats.org/presentationml/2006/main" xmlns:r="http://schemas.openxmlformats.org/officeDocument/2006/relationships">
   <p:cSld>
     <p:spTree>
       <p:nvGrpSpPr>
@@ -4163,14 +3574,7 @@
         <p:cNvGrpSpPr/>
         <p:nvPr/>
       </p:nvGrpSpPr>
-      <p:grpSpPr>
-        <a:xfrm>
-          <a:off x="0" y="0"/>
-          <a:ext cx="0" cy="0"/>
-          <a:chOff x="0" y="0"/>
-          <a:chExt cx="0" cy="0"/>
-        </a:xfrm>
-      </p:grpSpPr>
+      <p:grpSpPr/>
       <p:pic>
         <p:nvPicPr>
           <p:cNvPr id="2" name="Picture 1" descr="Layers.png"/>
@@ -4187,7 +3591,7 @@
         </p:blipFill>
         <p:spPr>
           <a:xfrm>
-            <a:off x="-1417320" y="-4480560"/>
+            <a:off x="-1417320" y="-4572000"/>
             <a:ext cx="11612880" cy="11612880"/>
           </a:xfrm>
           <a:prstGeom prst="rect">
@@ -4195,53 +3599,6 @@
           </a:prstGeom>
         </p:spPr>
       </p:pic>
-      <p:sp>
-        <p:nvSpPr>
-          <p:cNvPr id="3" name="Rectangle 2">
-            <a:extLst>
-              <a:ext uri="{FF2B5EF4-FFF2-40B4-BE49-F238E27FC236}">
-                <a16:creationId xmlns:a16="http://schemas.microsoft.com/office/drawing/2014/main" id="{26BD2578-7B47-EA93-C340-085617325BE2}"/>
-              </a:ext>
-            </a:extLst>
-          </p:cNvPr>
-          <p:cNvSpPr/>
-          <p:nvPr/>
-        </p:nvSpPr>
-        <p:spPr>
-          <a:xfrm>
-            <a:off x="-532660" y="-248575"/>
-            <a:ext cx="10342485" cy="3293616"/>
-          </a:xfrm>
-          <a:prstGeom prst="rect">
-            <a:avLst/>
-          </a:prstGeom>
-          <a:solidFill>
-            <a:schemeClr val="tx1"/>
-          </a:solidFill>
-        </p:spPr>
-        <p:style>
-          <a:lnRef idx="1">
-            <a:schemeClr val="accent1"/>
-          </a:lnRef>
-          <a:fillRef idx="3">
-            <a:schemeClr val="accent1"/>
-          </a:fillRef>
-          <a:effectRef idx="2">
-            <a:schemeClr val="accent1"/>
-          </a:effectRef>
-          <a:fontRef idx="minor">
-            <a:schemeClr val="lt1"/>
-          </a:fontRef>
-        </p:style>
-        <p:txBody>
-          <a:bodyPr rtlCol="0" anchor="ctr"/>
-          <a:lstStyle/>
-          <a:p>
-            <a:pPr algn="ctr"/>
-            <a:endParaRPr lang="en-DK"/>
-          </a:p>
-        </p:txBody>
-      </p:sp>
     </p:spTree>
   </p:cSld>
   <p:clrMapOvr>
@@ -4251,7 +3608,7 @@
 </file>
 
 <file path=ppt/slides/slide20.xml><?xml version="1.0" encoding="utf-8"?>
-<p:sld xmlns:a="http://schemas.openxmlformats.org/drawingml/2006/main" xmlns:r="http://schemas.openxmlformats.org/officeDocument/2006/relationships" xmlns:p="http://schemas.openxmlformats.org/presentationml/2006/main">
+<p:sld xmlns:a="http://schemas.openxmlformats.org/drawingml/2006/main" xmlns:p="http://schemas.openxmlformats.org/presentationml/2006/main" xmlns:r="http://schemas.openxmlformats.org/officeDocument/2006/relationships">
   <p:cSld>
     <p:spTree>
       <p:nvGrpSpPr>
@@ -4259,14 +3616,7 @@
         <p:cNvGrpSpPr/>
         <p:nvPr/>
       </p:nvGrpSpPr>
-      <p:grpSpPr>
-        <a:xfrm>
-          <a:off x="0" y="0"/>
-          <a:ext cx="0" cy="0"/>
-          <a:chOff x="0" y="0"/>
-          <a:chExt cx="0" cy="0"/>
-        </a:xfrm>
-      </p:grpSpPr>
+      <p:grpSpPr/>
       <p:pic>
         <p:nvPicPr>
           <p:cNvPr id="2" name="Picture 1" descr="Layers.png"/>
@@ -4283,7 +3633,7 @@
         </p:blipFill>
         <p:spPr>
           <a:xfrm>
-            <a:off x="-1417320" y="-4480560"/>
+            <a:off x="-1417320" y="-4572000"/>
             <a:ext cx="11612880" cy="11612880"/>
           </a:xfrm>
           <a:prstGeom prst="rect">
@@ -4291,53 +3641,6 @@
           </a:prstGeom>
         </p:spPr>
       </p:pic>
-      <p:sp>
-        <p:nvSpPr>
-          <p:cNvPr id="3" name="Rectangle 2">
-            <a:extLst>
-              <a:ext uri="{FF2B5EF4-FFF2-40B4-BE49-F238E27FC236}">
-                <a16:creationId xmlns:a16="http://schemas.microsoft.com/office/drawing/2014/main" id="{E625AAEB-6610-EA6D-8DDF-211CF247ABB0}"/>
-              </a:ext>
-            </a:extLst>
-          </p:cNvPr>
-          <p:cNvSpPr/>
-          <p:nvPr/>
-        </p:nvSpPr>
-        <p:spPr>
-          <a:xfrm>
-            <a:off x="-532660" y="-248575"/>
-            <a:ext cx="10342485" cy="3293616"/>
-          </a:xfrm>
-          <a:prstGeom prst="rect">
-            <a:avLst/>
-          </a:prstGeom>
-          <a:solidFill>
-            <a:schemeClr val="tx1"/>
-          </a:solidFill>
-        </p:spPr>
-        <p:style>
-          <a:lnRef idx="1">
-            <a:schemeClr val="accent1"/>
-          </a:lnRef>
-          <a:fillRef idx="3">
-            <a:schemeClr val="accent1"/>
-          </a:fillRef>
-          <a:effectRef idx="2">
-            <a:schemeClr val="accent1"/>
-          </a:effectRef>
-          <a:fontRef idx="minor">
-            <a:schemeClr val="lt1"/>
-          </a:fontRef>
-        </p:style>
-        <p:txBody>
-          <a:bodyPr rtlCol="0" anchor="ctr"/>
-          <a:lstStyle/>
-          <a:p>
-            <a:pPr algn="ctr"/>
-            <a:endParaRPr lang="en-DK"/>
-          </a:p>
-        </p:txBody>
-      </p:sp>
     </p:spTree>
   </p:cSld>
   <p:clrMapOvr>
@@ -4347,7 +3650,7 @@
 </file>
 
 <file path=ppt/slides/slide21.xml><?xml version="1.0" encoding="utf-8"?>
-<p:sld xmlns:a="http://schemas.openxmlformats.org/drawingml/2006/main" xmlns:r="http://schemas.openxmlformats.org/officeDocument/2006/relationships" xmlns:p="http://schemas.openxmlformats.org/presentationml/2006/main">
+<p:sld xmlns:a="http://schemas.openxmlformats.org/drawingml/2006/main" xmlns:p="http://schemas.openxmlformats.org/presentationml/2006/main" xmlns:r="http://schemas.openxmlformats.org/officeDocument/2006/relationships">
   <p:cSld>
     <p:spTree>
       <p:nvGrpSpPr>
@@ -4355,14 +3658,7 @@
         <p:cNvGrpSpPr/>
         <p:nvPr/>
       </p:nvGrpSpPr>
-      <p:grpSpPr>
-        <a:xfrm>
-          <a:off x="0" y="0"/>
-          <a:ext cx="0" cy="0"/>
-          <a:chOff x="0" y="0"/>
-          <a:chExt cx="0" cy="0"/>
-        </a:xfrm>
-      </p:grpSpPr>
+      <p:grpSpPr/>
       <p:pic>
         <p:nvPicPr>
           <p:cNvPr id="2" name="Picture 1" descr="Layers.png"/>
@@ -4379,7 +3675,7 @@
         </p:blipFill>
         <p:spPr>
           <a:xfrm>
-            <a:off x="-1417320" y="-4480560"/>
+            <a:off x="-1417320" y="-4572000"/>
             <a:ext cx="11612880" cy="11612880"/>
           </a:xfrm>
           <a:prstGeom prst="rect">
@@ -4387,53 +3683,6 @@
           </a:prstGeom>
         </p:spPr>
       </p:pic>
-      <p:sp>
-        <p:nvSpPr>
-          <p:cNvPr id="3" name="Rectangle 2">
-            <a:extLst>
-              <a:ext uri="{FF2B5EF4-FFF2-40B4-BE49-F238E27FC236}">
-                <a16:creationId xmlns:a16="http://schemas.microsoft.com/office/drawing/2014/main" id="{2EC6F6B2-AD1D-DDBB-4F9F-24819FA4DF5D}"/>
-              </a:ext>
-            </a:extLst>
-          </p:cNvPr>
-          <p:cNvSpPr/>
-          <p:nvPr/>
-        </p:nvSpPr>
-        <p:spPr>
-          <a:xfrm>
-            <a:off x="-532660" y="-248575"/>
-            <a:ext cx="10342485" cy="3293616"/>
-          </a:xfrm>
-          <a:prstGeom prst="rect">
-            <a:avLst/>
-          </a:prstGeom>
-          <a:solidFill>
-            <a:schemeClr val="tx1"/>
-          </a:solidFill>
-        </p:spPr>
-        <p:style>
-          <a:lnRef idx="1">
-            <a:schemeClr val="accent1"/>
-          </a:lnRef>
-          <a:fillRef idx="3">
-            <a:schemeClr val="accent1"/>
-          </a:fillRef>
-          <a:effectRef idx="2">
-            <a:schemeClr val="accent1"/>
-          </a:effectRef>
-          <a:fontRef idx="minor">
-            <a:schemeClr val="lt1"/>
-          </a:fontRef>
-        </p:style>
-        <p:txBody>
-          <a:bodyPr rtlCol="0" anchor="ctr"/>
-          <a:lstStyle/>
-          <a:p>
-            <a:pPr algn="ctr"/>
-            <a:endParaRPr lang="en-DK"/>
-          </a:p>
-        </p:txBody>
-      </p:sp>
     </p:spTree>
   </p:cSld>
   <p:clrMapOvr>
@@ -4443,7 +3692,7 @@
 </file>
 
 <file path=ppt/slides/slide22.xml><?xml version="1.0" encoding="utf-8"?>
-<p:sld xmlns:a="http://schemas.openxmlformats.org/drawingml/2006/main" xmlns:r="http://schemas.openxmlformats.org/officeDocument/2006/relationships" xmlns:p="http://schemas.openxmlformats.org/presentationml/2006/main">
+<p:sld xmlns:a="http://schemas.openxmlformats.org/drawingml/2006/main" xmlns:p="http://schemas.openxmlformats.org/presentationml/2006/main" xmlns:r="http://schemas.openxmlformats.org/officeDocument/2006/relationships">
   <p:cSld>
     <p:spTree>
       <p:nvGrpSpPr>
@@ -4451,14 +3700,7 @@
         <p:cNvGrpSpPr/>
         <p:nvPr/>
       </p:nvGrpSpPr>
-      <p:grpSpPr>
-        <a:xfrm>
-          <a:off x="0" y="0"/>
-          <a:ext cx="0" cy="0"/>
-          <a:chOff x="0" y="0"/>
-          <a:chExt cx="0" cy="0"/>
-        </a:xfrm>
-      </p:grpSpPr>
+      <p:grpSpPr/>
       <p:pic>
         <p:nvPicPr>
           <p:cNvPr id="2" name="Picture 1" descr="Layers.png"/>
@@ -4475,7 +3717,7 @@
         </p:blipFill>
         <p:spPr>
           <a:xfrm>
-            <a:off x="-1417320" y="-4480560"/>
+            <a:off x="-1417320" y="-4572000"/>
             <a:ext cx="11612880" cy="11612880"/>
           </a:xfrm>
           <a:prstGeom prst="rect">
@@ -4483,53 +3725,6 @@
           </a:prstGeom>
         </p:spPr>
       </p:pic>
-      <p:sp>
-        <p:nvSpPr>
-          <p:cNvPr id="3" name="Rectangle 2">
-            <a:extLst>
-              <a:ext uri="{FF2B5EF4-FFF2-40B4-BE49-F238E27FC236}">
-                <a16:creationId xmlns:a16="http://schemas.microsoft.com/office/drawing/2014/main" id="{18AB1603-8F1C-6ADE-1112-82170321B2C1}"/>
-              </a:ext>
-            </a:extLst>
-          </p:cNvPr>
-          <p:cNvSpPr/>
-          <p:nvPr/>
-        </p:nvSpPr>
-        <p:spPr>
-          <a:xfrm>
-            <a:off x="-532660" y="-248575"/>
-            <a:ext cx="10342485" cy="3293616"/>
-          </a:xfrm>
-          <a:prstGeom prst="rect">
-            <a:avLst/>
-          </a:prstGeom>
-          <a:solidFill>
-            <a:schemeClr val="tx1"/>
-          </a:solidFill>
-        </p:spPr>
-        <p:style>
-          <a:lnRef idx="1">
-            <a:schemeClr val="accent1"/>
-          </a:lnRef>
-          <a:fillRef idx="3">
-            <a:schemeClr val="accent1"/>
-          </a:fillRef>
-          <a:effectRef idx="2">
-            <a:schemeClr val="accent1"/>
-          </a:effectRef>
-          <a:fontRef idx="minor">
-            <a:schemeClr val="lt1"/>
-          </a:fontRef>
-        </p:style>
-        <p:txBody>
-          <a:bodyPr rtlCol="0" anchor="ctr"/>
-          <a:lstStyle/>
-          <a:p>
-            <a:pPr algn="ctr"/>
-            <a:endParaRPr lang="en-DK"/>
-          </a:p>
-        </p:txBody>
-      </p:sp>
     </p:spTree>
   </p:cSld>
   <p:clrMapOvr>
@@ -4539,7 +3734,7 @@
 </file>
 
 <file path=ppt/slides/slide23.xml><?xml version="1.0" encoding="utf-8"?>
-<p:sld xmlns:a="http://schemas.openxmlformats.org/drawingml/2006/main" xmlns:r="http://schemas.openxmlformats.org/officeDocument/2006/relationships" xmlns:p="http://schemas.openxmlformats.org/presentationml/2006/main">
+<p:sld xmlns:a="http://schemas.openxmlformats.org/drawingml/2006/main" xmlns:p="http://schemas.openxmlformats.org/presentationml/2006/main" xmlns:r="http://schemas.openxmlformats.org/officeDocument/2006/relationships">
   <p:cSld>
     <p:spTree>
       <p:nvGrpSpPr>
@@ -4547,14 +3742,7 @@
         <p:cNvGrpSpPr/>
         <p:nvPr/>
       </p:nvGrpSpPr>
-      <p:grpSpPr>
-        <a:xfrm>
-          <a:off x="0" y="0"/>
-          <a:ext cx="0" cy="0"/>
-          <a:chOff x="0" y="0"/>
-          <a:chExt cx="0" cy="0"/>
-        </a:xfrm>
-      </p:grpSpPr>
+      <p:grpSpPr/>
       <p:pic>
         <p:nvPicPr>
           <p:cNvPr id="2" name="Picture 1" descr="Layers.png"/>
@@ -4571,7 +3759,7 @@
         </p:blipFill>
         <p:spPr>
           <a:xfrm>
-            <a:off x="-1417320" y="-4480560"/>
+            <a:off x="-1417320" y="-4572000"/>
             <a:ext cx="11612880" cy="11612880"/>
           </a:xfrm>
           <a:prstGeom prst="rect">
@@ -4579,53 +3767,6 @@
           </a:prstGeom>
         </p:spPr>
       </p:pic>
-      <p:sp>
-        <p:nvSpPr>
-          <p:cNvPr id="3" name="Rectangle 2">
-            <a:extLst>
-              <a:ext uri="{FF2B5EF4-FFF2-40B4-BE49-F238E27FC236}">
-                <a16:creationId xmlns:a16="http://schemas.microsoft.com/office/drawing/2014/main" id="{5EFA9737-42E7-40D6-BAD4-DF9B41B3F3F5}"/>
-              </a:ext>
-            </a:extLst>
-          </p:cNvPr>
-          <p:cNvSpPr/>
-          <p:nvPr/>
-        </p:nvSpPr>
-        <p:spPr>
-          <a:xfrm>
-            <a:off x="-532660" y="-248575"/>
-            <a:ext cx="10342485" cy="3293616"/>
-          </a:xfrm>
-          <a:prstGeom prst="rect">
-            <a:avLst/>
-          </a:prstGeom>
-          <a:solidFill>
-            <a:schemeClr val="tx1"/>
-          </a:solidFill>
-        </p:spPr>
-        <p:style>
-          <a:lnRef idx="1">
-            <a:schemeClr val="accent1"/>
-          </a:lnRef>
-          <a:fillRef idx="3">
-            <a:schemeClr val="accent1"/>
-          </a:fillRef>
-          <a:effectRef idx="2">
-            <a:schemeClr val="accent1"/>
-          </a:effectRef>
-          <a:fontRef idx="minor">
-            <a:schemeClr val="lt1"/>
-          </a:fontRef>
-        </p:style>
-        <p:txBody>
-          <a:bodyPr rtlCol="0" anchor="ctr"/>
-          <a:lstStyle/>
-          <a:p>
-            <a:pPr algn="ctr"/>
-            <a:endParaRPr lang="en-DK"/>
-          </a:p>
-        </p:txBody>
-      </p:sp>
     </p:spTree>
   </p:cSld>
   <p:clrMapOvr>
@@ -4635,7 +3776,7 @@
 </file>
 
 <file path=ppt/slides/slide24.xml><?xml version="1.0" encoding="utf-8"?>
-<p:sld xmlns:a="http://schemas.openxmlformats.org/drawingml/2006/main" xmlns:r="http://schemas.openxmlformats.org/officeDocument/2006/relationships" xmlns:p="http://schemas.openxmlformats.org/presentationml/2006/main">
+<p:sld xmlns:a="http://schemas.openxmlformats.org/drawingml/2006/main" xmlns:p="http://schemas.openxmlformats.org/presentationml/2006/main" xmlns:r="http://schemas.openxmlformats.org/officeDocument/2006/relationships">
   <p:cSld>
     <p:spTree>
       <p:nvGrpSpPr>
@@ -4643,14 +3784,7 @@
         <p:cNvGrpSpPr/>
         <p:nvPr/>
       </p:nvGrpSpPr>
-      <p:grpSpPr>
-        <a:xfrm>
-          <a:off x="0" y="0"/>
-          <a:ext cx="0" cy="0"/>
-          <a:chOff x="0" y="0"/>
-          <a:chExt cx="0" cy="0"/>
-        </a:xfrm>
-      </p:grpSpPr>
+      <p:grpSpPr/>
       <p:pic>
         <p:nvPicPr>
           <p:cNvPr id="2" name="Picture 1" descr="Layers.png"/>
@@ -4667,7 +3801,7 @@
         </p:blipFill>
         <p:spPr>
           <a:xfrm>
-            <a:off x="-1417320" y="-4480560"/>
+            <a:off x="-1417320" y="-4572000"/>
             <a:ext cx="11612880" cy="11612880"/>
           </a:xfrm>
           <a:prstGeom prst="rect">
@@ -4675,53 +3809,6 @@
           </a:prstGeom>
         </p:spPr>
       </p:pic>
-      <p:sp>
-        <p:nvSpPr>
-          <p:cNvPr id="3" name="Rectangle 2">
-            <a:extLst>
-              <a:ext uri="{FF2B5EF4-FFF2-40B4-BE49-F238E27FC236}">
-                <a16:creationId xmlns:a16="http://schemas.microsoft.com/office/drawing/2014/main" id="{CC99584E-5001-259A-1A76-1125DDC4D1AD}"/>
-              </a:ext>
-            </a:extLst>
-          </p:cNvPr>
-          <p:cNvSpPr/>
-          <p:nvPr/>
-        </p:nvSpPr>
-        <p:spPr>
-          <a:xfrm>
-            <a:off x="-532660" y="-248575"/>
-            <a:ext cx="10342485" cy="3293616"/>
-          </a:xfrm>
-          <a:prstGeom prst="rect">
-            <a:avLst/>
-          </a:prstGeom>
-          <a:solidFill>
-            <a:schemeClr val="tx1"/>
-          </a:solidFill>
-        </p:spPr>
-        <p:style>
-          <a:lnRef idx="1">
-            <a:schemeClr val="accent1"/>
-          </a:lnRef>
-          <a:fillRef idx="3">
-            <a:schemeClr val="accent1"/>
-          </a:fillRef>
-          <a:effectRef idx="2">
-            <a:schemeClr val="accent1"/>
-          </a:effectRef>
-          <a:fontRef idx="minor">
-            <a:schemeClr val="lt1"/>
-          </a:fontRef>
-        </p:style>
-        <p:txBody>
-          <a:bodyPr rtlCol="0" anchor="ctr"/>
-          <a:lstStyle/>
-          <a:p>
-            <a:pPr algn="ctr"/>
-            <a:endParaRPr lang="en-DK"/>
-          </a:p>
-        </p:txBody>
-      </p:sp>
     </p:spTree>
   </p:cSld>
   <p:clrMapOvr>
@@ -4731,7 +3818,7 @@
 </file>
 
 <file path=ppt/slides/slide25.xml><?xml version="1.0" encoding="utf-8"?>
-<p:sld xmlns:a="http://schemas.openxmlformats.org/drawingml/2006/main" xmlns:r="http://schemas.openxmlformats.org/officeDocument/2006/relationships" xmlns:p="http://schemas.openxmlformats.org/presentationml/2006/main">
+<p:sld xmlns:a="http://schemas.openxmlformats.org/drawingml/2006/main" xmlns:p="http://schemas.openxmlformats.org/presentationml/2006/main" xmlns:r="http://schemas.openxmlformats.org/officeDocument/2006/relationships">
   <p:cSld>
     <p:spTree>
       <p:nvGrpSpPr>
@@ -4739,14 +3826,7 @@
         <p:cNvGrpSpPr/>
         <p:nvPr/>
       </p:nvGrpSpPr>
-      <p:grpSpPr>
-        <a:xfrm>
-          <a:off x="0" y="0"/>
-          <a:ext cx="0" cy="0"/>
-          <a:chOff x="0" y="0"/>
-          <a:chExt cx="0" cy="0"/>
-        </a:xfrm>
-      </p:grpSpPr>
+      <p:grpSpPr/>
       <p:pic>
         <p:nvPicPr>
           <p:cNvPr id="2" name="Picture 1" descr="Layers.png"/>
@@ -4763,7 +3843,7 @@
         </p:blipFill>
         <p:spPr>
           <a:xfrm>
-            <a:off x="-1417320" y="-4480560"/>
+            <a:off x="-1417320" y="-4572000"/>
             <a:ext cx="11612880" cy="11612880"/>
           </a:xfrm>
           <a:prstGeom prst="rect">
@@ -4771,53 +3851,6 @@
           </a:prstGeom>
         </p:spPr>
       </p:pic>
-      <p:sp>
-        <p:nvSpPr>
-          <p:cNvPr id="3" name="Rectangle 2">
-            <a:extLst>
-              <a:ext uri="{FF2B5EF4-FFF2-40B4-BE49-F238E27FC236}">
-                <a16:creationId xmlns:a16="http://schemas.microsoft.com/office/drawing/2014/main" id="{348964D4-46E6-90B9-5D87-FB0FDF1C93DB}"/>
-              </a:ext>
-            </a:extLst>
-          </p:cNvPr>
-          <p:cNvSpPr/>
-          <p:nvPr/>
-        </p:nvSpPr>
-        <p:spPr>
-          <a:xfrm>
-            <a:off x="-532660" y="-248575"/>
-            <a:ext cx="10342485" cy="3293616"/>
-          </a:xfrm>
-          <a:prstGeom prst="rect">
-            <a:avLst/>
-          </a:prstGeom>
-          <a:solidFill>
-            <a:schemeClr val="tx1"/>
-          </a:solidFill>
-        </p:spPr>
-        <p:style>
-          <a:lnRef idx="1">
-            <a:schemeClr val="accent1"/>
-          </a:lnRef>
-          <a:fillRef idx="3">
-            <a:schemeClr val="accent1"/>
-          </a:fillRef>
-          <a:effectRef idx="2">
-            <a:schemeClr val="accent1"/>
-          </a:effectRef>
-          <a:fontRef idx="minor">
-            <a:schemeClr val="lt1"/>
-          </a:fontRef>
-        </p:style>
-        <p:txBody>
-          <a:bodyPr rtlCol="0" anchor="ctr"/>
-          <a:lstStyle/>
-          <a:p>
-            <a:pPr algn="ctr"/>
-            <a:endParaRPr lang="en-DK"/>
-          </a:p>
-        </p:txBody>
-      </p:sp>
     </p:spTree>
   </p:cSld>
   <p:clrMapOvr>
@@ -4827,7 +3860,7 @@
 </file>
 
 <file path=ppt/slides/slide26.xml><?xml version="1.0" encoding="utf-8"?>
-<p:sld xmlns:a="http://schemas.openxmlformats.org/drawingml/2006/main" xmlns:r="http://schemas.openxmlformats.org/officeDocument/2006/relationships" xmlns:p="http://schemas.openxmlformats.org/presentationml/2006/main">
+<p:sld xmlns:a="http://schemas.openxmlformats.org/drawingml/2006/main" xmlns:p="http://schemas.openxmlformats.org/presentationml/2006/main" xmlns:r="http://schemas.openxmlformats.org/officeDocument/2006/relationships">
   <p:cSld>
     <p:spTree>
       <p:nvGrpSpPr>
@@ -4835,14 +3868,7 @@
         <p:cNvGrpSpPr/>
         <p:nvPr/>
       </p:nvGrpSpPr>
-      <p:grpSpPr>
-        <a:xfrm>
-          <a:off x="0" y="0"/>
-          <a:ext cx="0" cy="0"/>
-          <a:chOff x="0" y="0"/>
-          <a:chExt cx="0" cy="0"/>
-        </a:xfrm>
-      </p:grpSpPr>
+      <p:grpSpPr/>
       <p:pic>
         <p:nvPicPr>
           <p:cNvPr id="2" name="Picture 1" descr="Layers.png"/>
@@ -4859,7 +3885,7 @@
         </p:blipFill>
         <p:spPr>
           <a:xfrm>
-            <a:off x="-1417320" y="-4480560"/>
+            <a:off x="-1417320" y="-4572000"/>
             <a:ext cx="11612880" cy="11612880"/>
           </a:xfrm>
           <a:prstGeom prst="rect">
@@ -4867,53 +3893,6 @@
           </a:prstGeom>
         </p:spPr>
       </p:pic>
-      <p:sp>
-        <p:nvSpPr>
-          <p:cNvPr id="3" name="Rectangle 2">
-            <a:extLst>
-              <a:ext uri="{FF2B5EF4-FFF2-40B4-BE49-F238E27FC236}">
-                <a16:creationId xmlns:a16="http://schemas.microsoft.com/office/drawing/2014/main" id="{2A67EA20-2FB4-E081-FA08-D6FE81CADAEE}"/>
-              </a:ext>
-            </a:extLst>
-          </p:cNvPr>
-          <p:cNvSpPr/>
-          <p:nvPr/>
-        </p:nvSpPr>
-        <p:spPr>
-          <a:xfrm>
-            <a:off x="-532660" y="-248575"/>
-            <a:ext cx="10342485" cy="3293616"/>
-          </a:xfrm>
-          <a:prstGeom prst="rect">
-            <a:avLst/>
-          </a:prstGeom>
-          <a:solidFill>
-            <a:schemeClr val="tx1"/>
-          </a:solidFill>
-        </p:spPr>
-        <p:style>
-          <a:lnRef idx="1">
-            <a:schemeClr val="accent1"/>
-          </a:lnRef>
-          <a:fillRef idx="3">
-            <a:schemeClr val="accent1"/>
-          </a:fillRef>
-          <a:effectRef idx="2">
-            <a:schemeClr val="accent1"/>
-          </a:effectRef>
-          <a:fontRef idx="minor">
-            <a:schemeClr val="lt1"/>
-          </a:fontRef>
-        </p:style>
-        <p:txBody>
-          <a:bodyPr rtlCol="0" anchor="ctr"/>
-          <a:lstStyle/>
-          <a:p>
-            <a:pPr algn="ctr"/>
-            <a:endParaRPr lang="en-DK"/>
-          </a:p>
-        </p:txBody>
-      </p:sp>
     </p:spTree>
   </p:cSld>
   <p:clrMapOvr>
@@ -4923,7 +3902,7 @@
 </file>
 
 <file path=ppt/slides/slide3.xml><?xml version="1.0" encoding="utf-8"?>
-<p:sld xmlns:a="http://schemas.openxmlformats.org/drawingml/2006/main" xmlns:r="http://schemas.openxmlformats.org/officeDocument/2006/relationships" xmlns:p="http://schemas.openxmlformats.org/presentationml/2006/main">
+<p:sld xmlns:a="http://schemas.openxmlformats.org/drawingml/2006/main" xmlns:p="http://schemas.openxmlformats.org/presentationml/2006/main" xmlns:r="http://schemas.openxmlformats.org/officeDocument/2006/relationships">
   <p:cSld>
     <p:spTree>
       <p:nvGrpSpPr>
@@ -4931,14 +3910,7 @@
         <p:cNvGrpSpPr/>
         <p:nvPr/>
       </p:nvGrpSpPr>
-      <p:grpSpPr>
-        <a:xfrm>
-          <a:off x="0" y="0"/>
-          <a:ext cx="0" cy="0"/>
-          <a:chOff x="0" y="0"/>
-          <a:chExt cx="0" cy="0"/>
-        </a:xfrm>
-      </p:grpSpPr>
+      <p:grpSpPr/>
       <p:pic>
         <p:nvPicPr>
           <p:cNvPr id="2" name="Picture 1" descr="Layers.png"/>
@@ -4955,7 +3927,7 @@
         </p:blipFill>
         <p:spPr>
           <a:xfrm>
-            <a:off x="-1417320" y="-4480560"/>
+            <a:off x="-1417320" y="-4572000"/>
             <a:ext cx="11612880" cy="11612880"/>
           </a:xfrm>
           <a:prstGeom prst="rect">
@@ -4963,53 +3935,6 @@
           </a:prstGeom>
         </p:spPr>
       </p:pic>
-      <p:sp>
-        <p:nvSpPr>
-          <p:cNvPr id="3" name="Rectangle 2">
-            <a:extLst>
-              <a:ext uri="{FF2B5EF4-FFF2-40B4-BE49-F238E27FC236}">
-                <a16:creationId xmlns:a16="http://schemas.microsoft.com/office/drawing/2014/main" id="{F586FF4A-A1A5-0AD5-3F8A-AD663B692ADC}"/>
-              </a:ext>
-            </a:extLst>
-          </p:cNvPr>
-          <p:cNvSpPr/>
-          <p:nvPr/>
-        </p:nvSpPr>
-        <p:spPr>
-          <a:xfrm>
-            <a:off x="-532660" y="-248575"/>
-            <a:ext cx="10342485" cy="3293616"/>
-          </a:xfrm>
-          <a:prstGeom prst="rect">
-            <a:avLst/>
-          </a:prstGeom>
-          <a:solidFill>
-            <a:schemeClr val="tx1"/>
-          </a:solidFill>
-        </p:spPr>
-        <p:style>
-          <a:lnRef idx="1">
-            <a:schemeClr val="accent1"/>
-          </a:lnRef>
-          <a:fillRef idx="3">
-            <a:schemeClr val="accent1"/>
-          </a:fillRef>
-          <a:effectRef idx="2">
-            <a:schemeClr val="accent1"/>
-          </a:effectRef>
-          <a:fontRef idx="minor">
-            <a:schemeClr val="lt1"/>
-          </a:fontRef>
-        </p:style>
-        <p:txBody>
-          <a:bodyPr rtlCol="0" anchor="ctr"/>
-          <a:lstStyle/>
-          <a:p>
-            <a:pPr algn="ctr"/>
-            <a:endParaRPr lang="en-DK"/>
-          </a:p>
-        </p:txBody>
-      </p:sp>
     </p:spTree>
   </p:cSld>
   <p:clrMapOvr>
@@ -5019,7 +3944,7 @@
 </file>
 
 <file path=ppt/slides/slide4.xml><?xml version="1.0" encoding="utf-8"?>
-<p:sld xmlns:a="http://schemas.openxmlformats.org/drawingml/2006/main" xmlns:r="http://schemas.openxmlformats.org/officeDocument/2006/relationships" xmlns:p="http://schemas.openxmlformats.org/presentationml/2006/main">
+<p:sld xmlns:a="http://schemas.openxmlformats.org/drawingml/2006/main" xmlns:p="http://schemas.openxmlformats.org/presentationml/2006/main" xmlns:r="http://schemas.openxmlformats.org/officeDocument/2006/relationships">
   <p:cSld>
     <p:spTree>
       <p:nvGrpSpPr>
@@ -5027,14 +3952,7 @@
         <p:cNvGrpSpPr/>
         <p:nvPr/>
       </p:nvGrpSpPr>
-      <p:grpSpPr>
-        <a:xfrm>
-          <a:off x="0" y="0"/>
-          <a:ext cx="0" cy="0"/>
-          <a:chOff x="0" y="0"/>
-          <a:chExt cx="0" cy="0"/>
-        </a:xfrm>
-      </p:grpSpPr>
+      <p:grpSpPr/>
       <p:pic>
         <p:nvPicPr>
           <p:cNvPr id="2" name="Picture 1" descr="Layers.png"/>
@@ -5051,7 +3969,7 @@
         </p:blipFill>
         <p:spPr>
           <a:xfrm>
-            <a:off x="-1417320" y="-4480560"/>
+            <a:off x="-1417320" y="-4572000"/>
             <a:ext cx="11612880" cy="11612880"/>
           </a:xfrm>
           <a:prstGeom prst="rect">
@@ -5059,53 +3977,6 @@
           </a:prstGeom>
         </p:spPr>
       </p:pic>
-      <p:sp>
-        <p:nvSpPr>
-          <p:cNvPr id="3" name="Rectangle 2">
-            <a:extLst>
-              <a:ext uri="{FF2B5EF4-FFF2-40B4-BE49-F238E27FC236}">
-                <a16:creationId xmlns:a16="http://schemas.microsoft.com/office/drawing/2014/main" id="{1F7E426D-855D-A866-DF9D-6647DB87AA3C}"/>
-              </a:ext>
-            </a:extLst>
-          </p:cNvPr>
-          <p:cNvSpPr/>
-          <p:nvPr/>
-        </p:nvSpPr>
-        <p:spPr>
-          <a:xfrm>
-            <a:off x="-532660" y="-248575"/>
-            <a:ext cx="10342485" cy="3293616"/>
-          </a:xfrm>
-          <a:prstGeom prst="rect">
-            <a:avLst/>
-          </a:prstGeom>
-          <a:solidFill>
-            <a:schemeClr val="tx1"/>
-          </a:solidFill>
-        </p:spPr>
-        <p:style>
-          <a:lnRef idx="1">
-            <a:schemeClr val="accent1"/>
-          </a:lnRef>
-          <a:fillRef idx="3">
-            <a:schemeClr val="accent1"/>
-          </a:fillRef>
-          <a:effectRef idx="2">
-            <a:schemeClr val="accent1"/>
-          </a:effectRef>
-          <a:fontRef idx="minor">
-            <a:schemeClr val="lt1"/>
-          </a:fontRef>
-        </p:style>
-        <p:txBody>
-          <a:bodyPr rtlCol="0" anchor="ctr"/>
-          <a:lstStyle/>
-          <a:p>
-            <a:pPr algn="ctr"/>
-            <a:endParaRPr lang="en-DK"/>
-          </a:p>
-        </p:txBody>
-      </p:sp>
     </p:spTree>
   </p:cSld>
   <p:clrMapOvr>
@@ -5115,7 +3986,7 @@
 </file>
 
 <file path=ppt/slides/slide5.xml><?xml version="1.0" encoding="utf-8"?>
-<p:sld xmlns:a="http://schemas.openxmlformats.org/drawingml/2006/main" xmlns:r="http://schemas.openxmlformats.org/officeDocument/2006/relationships" xmlns:p="http://schemas.openxmlformats.org/presentationml/2006/main">
+<p:sld xmlns:a="http://schemas.openxmlformats.org/drawingml/2006/main" xmlns:p="http://schemas.openxmlformats.org/presentationml/2006/main" xmlns:r="http://schemas.openxmlformats.org/officeDocument/2006/relationships">
   <p:cSld>
     <p:spTree>
       <p:nvGrpSpPr>
@@ -5123,14 +3994,7 @@
         <p:cNvGrpSpPr/>
         <p:nvPr/>
       </p:nvGrpSpPr>
-      <p:grpSpPr>
-        <a:xfrm>
-          <a:off x="0" y="0"/>
-          <a:ext cx="0" cy="0"/>
-          <a:chOff x="0" y="0"/>
-          <a:chExt cx="0" cy="0"/>
-        </a:xfrm>
-      </p:grpSpPr>
+      <p:grpSpPr/>
       <p:pic>
         <p:nvPicPr>
           <p:cNvPr id="2" name="Picture 1" descr="Layers.png"/>
@@ -5147,7 +4011,7 @@
         </p:blipFill>
         <p:spPr>
           <a:xfrm>
-            <a:off x="-1417320" y="-4480560"/>
+            <a:off x="-1417320" y="-4572000"/>
             <a:ext cx="11612880" cy="11612880"/>
           </a:xfrm>
           <a:prstGeom prst="rect">
@@ -5155,53 +4019,6 @@
           </a:prstGeom>
         </p:spPr>
       </p:pic>
-      <p:sp>
-        <p:nvSpPr>
-          <p:cNvPr id="3" name="Rectangle 2">
-            <a:extLst>
-              <a:ext uri="{FF2B5EF4-FFF2-40B4-BE49-F238E27FC236}">
-                <a16:creationId xmlns:a16="http://schemas.microsoft.com/office/drawing/2014/main" id="{60E426AA-84D0-EAD4-4345-8407F3A72B6A}"/>
-              </a:ext>
-            </a:extLst>
-          </p:cNvPr>
-          <p:cNvSpPr/>
-          <p:nvPr/>
-        </p:nvSpPr>
-        <p:spPr>
-          <a:xfrm>
-            <a:off x="-532660" y="-248575"/>
-            <a:ext cx="10342485" cy="3293616"/>
-          </a:xfrm>
-          <a:prstGeom prst="rect">
-            <a:avLst/>
-          </a:prstGeom>
-          <a:solidFill>
-            <a:schemeClr val="tx1"/>
-          </a:solidFill>
-        </p:spPr>
-        <p:style>
-          <a:lnRef idx="1">
-            <a:schemeClr val="accent1"/>
-          </a:lnRef>
-          <a:fillRef idx="3">
-            <a:schemeClr val="accent1"/>
-          </a:fillRef>
-          <a:effectRef idx="2">
-            <a:schemeClr val="accent1"/>
-          </a:effectRef>
-          <a:fontRef idx="minor">
-            <a:schemeClr val="lt1"/>
-          </a:fontRef>
-        </p:style>
-        <p:txBody>
-          <a:bodyPr rtlCol="0" anchor="ctr"/>
-          <a:lstStyle/>
-          <a:p>
-            <a:pPr algn="ctr"/>
-            <a:endParaRPr lang="en-DK"/>
-          </a:p>
-        </p:txBody>
-      </p:sp>
     </p:spTree>
   </p:cSld>
   <p:clrMapOvr>
@@ -5211,7 +4028,7 @@
 </file>
 
 <file path=ppt/slides/slide6.xml><?xml version="1.0" encoding="utf-8"?>
-<p:sld xmlns:a="http://schemas.openxmlformats.org/drawingml/2006/main" xmlns:r="http://schemas.openxmlformats.org/officeDocument/2006/relationships" xmlns:p="http://schemas.openxmlformats.org/presentationml/2006/main">
+<p:sld xmlns:a="http://schemas.openxmlformats.org/drawingml/2006/main" xmlns:p="http://schemas.openxmlformats.org/presentationml/2006/main" xmlns:r="http://schemas.openxmlformats.org/officeDocument/2006/relationships">
   <p:cSld>
     <p:spTree>
       <p:nvGrpSpPr>
@@ -5219,14 +4036,7 @@
         <p:cNvGrpSpPr/>
         <p:nvPr/>
       </p:nvGrpSpPr>
-      <p:grpSpPr>
-        <a:xfrm>
-          <a:off x="0" y="0"/>
-          <a:ext cx="0" cy="0"/>
-          <a:chOff x="0" y="0"/>
-          <a:chExt cx="0" cy="0"/>
-        </a:xfrm>
-      </p:grpSpPr>
+      <p:grpSpPr/>
       <p:pic>
         <p:nvPicPr>
           <p:cNvPr id="2" name="Picture 1" descr="Layers.png"/>
@@ -5243,7 +4053,7 @@
         </p:blipFill>
         <p:spPr>
           <a:xfrm>
-            <a:off x="-1417320" y="-4480560"/>
+            <a:off x="-1417320" y="-4572000"/>
             <a:ext cx="11612880" cy="11612880"/>
           </a:xfrm>
           <a:prstGeom prst="rect">
@@ -5251,53 +4061,6 @@
           </a:prstGeom>
         </p:spPr>
       </p:pic>
-      <p:sp>
-        <p:nvSpPr>
-          <p:cNvPr id="3" name="Rectangle 2">
-            <a:extLst>
-              <a:ext uri="{FF2B5EF4-FFF2-40B4-BE49-F238E27FC236}">
-                <a16:creationId xmlns:a16="http://schemas.microsoft.com/office/drawing/2014/main" id="{0E8BE20C-9C79-2D8D-9979-EC629C2C1DDD}"/>
-              </a:ext>
-            </a:extLst>
-          </p:cNvPr>
-          <p:cNvSpPr/>
-          <p:nvPr/>
-        </p:nvSpPr>
-        <p:spPr>
-          <a:xfrm>
-            <a:off x="-532660" y="-248575"/>
-            <a:ext cx="10342485" cy="3293616"/>
-          </a:xfrm>
-          <a:prstGeom prst="rect">
-            <a:avLst/>
-          </a:prstGeom>
-          <a:solidFill>
-            <a:schemeClr val="tx1"/>
-          </a:solidFill>
-        </p:spPr>
-        <p:style>
-          <a:lnRef idx="1">
-            <a:schemeClr val="accent1"/>
-          </a:lnRef>
-          <a:fillRef idx="3">
-            <a:schemeClr val="accent1"/>
-          </a:fillRef>
-          <a:effectRef idx="2">
-            <a:schemeClr val="accent1"/>
-          </a:effectRef>
-          <a:fontRef idx="minor">
-            <a:schemeClr val="lt1"/>
-          </a:fontRef>
-        </p:style>
-        <p:txBody>
-          <a:bodyPr rtlCol="0" anchor="ctr"/>
-          <a:lstStyle/>
-          <a:p>
-            <a:pPr algn="ctr"/>
-            <a:endParaRPr lang="en-DK"/>
-          </a:p>
-        </p:txBody>
-      </p:sp>
     </p:spTree>
   </p:cSld>
   <p:clrMapOvr>
@@ -5307,7 +4070,7 @@
 </file>
 
 <file path=ppt/slides/slide7.xml><?xml version="1.0" encoding="utf-8"?>
-<p:sld xmlns:a="http://schemas.openxmlformats.org/drawingml/2006/main" xmlns:r="http://schemas.openxmlformats.org/officeDocument/2006/relationships" xmlns:p="http://schemas.openxmlformats.org/presentationml/2006/main">
+<p:sld xmlns:a="http://schemas.openxmlformats.org/drawingml/2006/main" xmlns:p="http://schemas.openxmlformats.org/presentationml/2006/main" xmlns:r="http://schemas.openxmlformats.org/officeDocument/2006/relationships">
   <p:cSld>
     <p:spTree>
       <p:nvGrpSpPr>
@@ -5315,14 +4078,7 @@
         <p:cNvGrpSpPr/>
         <p:nvPr/>
       </p:nvGrpSpPr>
-      <p:grpSpPr>
-        <a:xfrm>
-          <a:off x="0" y="0"/>
-          <a:ext cx="0" cy="0"/>
-          <a:chOff x="0" y="0"/>
-          <a:chExt cx="0" cy="0"/>
-        </a:xfrm>
-      </p:grpSpPr>
+      <p:grpSpPr/>
       <p:pic>
         <p:nvPicPr>
           <p:cNvPr id="2" name="Picture 1" descr="Layers.png"/>
@@ -5339,7 +4095,7 @@
         </p:blipFill>
         <p:spPr>
           <a:xfrm>
-            <a:off x="-1417320" y="-4480560"/>
+            <a:off x="-1417320" y="-4572000"/>
             <a:ext cx="11612880" cy="11612880"/>
           </a:xfrm>
           <a:prstGeom prst="rect">
@@ -5347,53 +4103,6 @@
           </a:prstGeom>
         </p:spPr>
       </p:pic>
-      <p:sp>
-        <p:nvSpPr>
-          <p:cNvPr id="3" name="Rectangle 2">
-            <a:extLst>
-              <a:ext uri="{FF2B5EF4-FFF2-40B4-BE49-F238E27FC236}">
-                <a16:creationId xmlns:a16="http://schemas.microsoft.com/office/drawing/2014/main" id="{34851D22-E2D2-C362-5A77-14348BC78C71}"/>
-              </a:ext>
-            </a:extLst>
-          </p:cNvPr>
-          <p:cNvSpPr/>
-          <p:nvPr/>
-        </p:nvSpPr>
-        <p:spPr>
-          <a:xfrm>
-            <a:off x="-532660" y="-248575"/>
-            <a:ext cx="10342485" cy="3293616"/>
-          </a:xfrm>
-          <a:prstGeom prst="rect">
-            <a:avLst/>
-          </a:prstGeom>
-          <a:solidFill>
-            <a:schemeClr val="tx1"/>
-          </a:solidFill>
-        </p:spPr>
-        <p:style>
-          <a:lnRef idx="1">
-            <a:schemeClr val="accent1"/>
-          </a:lnRef>
-          <a:fillRef idx="3">
-            <a:schemeClr val="accent1"/>
-          </a:fillRef>
-          <a:effectRef idx="2">
-            <a:schemeClr val="accent1"/>
-          </a:effectRef>
-          <a:fontRef idx="minor">
-            <a:schemeClr val="lt1"/>
-          </a:fontRef>
-        </p:style>
-        <p:txBody>
-          <a:bodyPr rtlCol="0" anchor="ctr"/>
-          <a:lstStyle/>
-          <a:p>
-            <a:pPr algn="ctr"/>
-            <a:endParaRPr lang="en-DK"/>
-          </a:p>
-        </p:txBody>
-      </p:sp>
     </p:spTree>
   </p:cSld>
   <p:clrMapOvr>
@@ -5403,7 +4112,7 @@
 </file>
 
 <file path=ppt/slides/slide8.xml><?xml version="1.0" encoding="utf-8"?>
-<p:sld xmlns:a="http://schemas.openxmlformats.org/drawingml/2006/main" xmlns:r="http://schemas.openxmlformats.org/officeDocument/2006/relationships" xmlns:p="http://schemas.openxmlformats.org/presentationml/2006/main">
+<p:sld xmlns:a="http://schemas.openxmlformats.org/drawingml/2006/main" xmlns:p="http://schemas.openxmlformats.org/presentationml/2006/main" xmlns:r="http://schemas.openxmlformats.org/officeDocument/2006/relationships">
   <p:cSld>
     <p:spTree>
       <p:nvGrpSpPr>
@@ -5411,14 +4120,7 @@
         <p:cNvGrpSpPr/>
         <p:nvPr/>
       </p:nvGrpSpPr>
-      <p:grpSpPr>
-        <a:xfrm>
-          <a:off x="0" y="0"/>
-          <a:ext cx="0" cy="0"/>
-          <a:chOff x="0" y="0"/>
-          <a:chExt cx="0" cy="0"/>
-        </a:xfrm>
-      </p:grpSpPr>
+      <p:grpSpPr/>
       <p:pic>
         <p:nvPicPr>
           <p:cNvPr id="2" name="Picture 1" descr="Layers.png"/>
@@ -5435,7 +4137,7 @@
         </p:blipFill>
         <p:spPr>
           <a:xfrm>
-            <a:off x="-1417320" y="-4480560"/>
+            <a:off x="-1417320" y="-4572000"/>
             <a:ext cx="11612880" cy="11612880"/>
           </a:xfrm>
           <a:prstGeom prst="rect">
@@ -5443,53 +4145,6 @@
           </a:prstGeom>
         </p:spPr>
       </p:pic>
-      <p:sp>
-        <p:nvSpPr>
-          <p:cNvPr id="3" name="Rectangle 2">
-            <a:extLst>
-              <a:ext uri="{FF2B5EF4-FFF2-40B4-BE49-F238E27FC236}">
-                <a16:creationId xmlns:a16="http://schemas.microsoft.com/office/drawing/2014/main" id="{ACC3C1C7-40E8-62E5-24C1-E06E5EFC787C}"/>
-              </a:ext>
-            </a:extLst>
-          </p:cNvPr>
-          <p:cNvSpPr/>
-          <p:nvPr/>
-        </p:nvSpPr>
-        <p:spPr>
-          <a:xfrm>
-            <a:off x="-532660" y="-248575"/>
-            <a:ext cx="10342485" cy="3293616"/>
-          </a:xfrm>
-          <a:prstGeom prst="rect">
-            <a:avLst/>
-          </a:prstGeom>
-          <a:solidFill>
-            <a:schemeClr val="tx1"/>
-          </a:solidFill>
-        </p:spPr>
-        <p:style>
-          <a:lnRef idx="1">
-            <a:schemeClr val="accent1"/>
-          </a:lnRef>
-          <a:fillRef idx="3">
-            <a:schemeClr val="accent1"/>
-          </a:fillRef>
-          <a:effectRef idx="2">
-            <a:schemeClr val="accent1"/>
-          </a:effectRef>
-          <a:fontRef idx="minor">
-            <a:schemeClr val="lt1"/>
-          </a:fontRef>
-        </p:style>
-        <p:txBody>
-          <a:bodyPr rtlCol="0" anchor="ctr"/>
-          <a:lstStyle/>
-          <a:p>
-            <a:pPr algn="ctr"/>
-            <a:endParaRPr lang="en-DK"/>
-          </a:p>
-        </p:txBody>
-      </p:sp>
     </p:spTree>
   </p:cSld>
   <p:clrMapOvr>
@@ -5499,7 +4154,7 @@
 </file>
 
 <file path=ppt/slides/slide9.xml><?xml version="1.0" encoding="utf-8"?>
-<p:sld xmlns:a="http://schemas.openxmlformats.org/drawingml/2006/main" xmlns:r="http://schemas.openxmlformats.org/officeDocument/2006/relationships" xmlns:p="http://schemas.openxmlformats.org/presentationml/2006/main">
+<p:sld xmlns:a="http://schemas.openxmlformats.org/drawingml/2006/main" xmlns:p="http://schemas.openxmlformats.org/presentationml/2006/main" xmlns:r="http://schemas.openxmlformats.org/officeDocument/2006/relationships">
   <p:cSld>
     <p:spTree>
       <p:nvGrpSpPr>
@@ -5507,14 +4162,7 @@
         <p:cNvGrpSpPr/>
         <p:nvPr/>
       </p:nvGrpSpPr>
-      <p:grpSpPr>
-        <a:xfrm>
-          <a:off x="0" y="0"/>
-          <a:ext cx="0" cy="0"/>
-          <a:chOff x="0" y="0"/>
-          <a:chExt cx="0" cy="0"/>
-        </a:xfrm>
-      </p:grpSpPr>
+      <p:grpSpPr/>
       <p:pic>
         <p:nvPicPr>
           <p:cNvPr id="2" name="Picture 1" descr="Layers.png"/>
@@ -5531,7 +4179,7 @@
         </p:blipFill>
         <p:spPr>
           <a:xfrm>
-            <a:off x="-1417320" y="-4480560"/>
+            <a:off x="-1417320" y="-4572000"/>
             <a:ext cx="11612880" cy="11612880"/>
           </a:xfrm>
           <a:prstGeom prst="rect">
@@ -5539,53 +4187,6 @@
           </a:prstGeom>
         </p:spPr>
       </p:pic>
-      <p:sp>
-        <p:nvSpPr>
-          <p:cNvPr id="3" name="Rectangle 2">
-            <a:extLst>
-              <a:ext uri="{FF2B5EF4-FFF2-40B4-BE49-F238E27FC236}">
-                <a16:creationId xmlns:a16="http://schemas.microsoft.com/office/drawing/2014/main" id="{2C560841-8B8D-6BED-7206-4B3817C2E737}"/>
-              </a:ext>
-            </a:extLst>
-          </p:cNvPr>
-          <p:cNvSpPr/>
-          <p:nvPr/>
-        </p:nvSpPr>
-        <p:spPr>
-          <a:xfrm>
-            <a:off x="-532660" y="-248575"/>
-            <a:ext cx="10342485" cy="3293616"/>
-          </a:xfrm>
-          <a:prstGeom prst="rect">
-            <a:avLst/>
-          </a:prstGeom>
-          <a:solidFill>
-            <a:schemeClr val="tx1"/>
-          </a:solidFill>
-        </p:spPr>
-        <p:style>
-          <a:lnRef idx="1">
-            <a:schemeClr val="accent1"/>
-          </a:lnRef>
-          <a:fillRef idx="3">
-            <a:schemeClr val="accent1"/>
-          </a:fillRef>
-          <a:effectRef idx="2">
-            <a:schemeClr val="accent1"/>
-          </a:effectRef>
-          <a:fontRef idx="minor">
-            <a:schemeClr val="lt1"/>
-          </a:fontRef>
-        </p:style>
-        <p:txBody>
-          <a:bodyPr rtlCol="0" anchor="ctr"/>
-          <a:lstStyle/>
-          <a:p>
-            <a:pPr algn="ctr"/>
-            <a:endParaRPr lang="en-DK"/>
-          </a:p>
-        </p:txBody>
-      </p:sp>
     </p:spTree>
   </p:cSld>
   <p:clrMapOvr>
